--- a/ClassMaterials/EventBasedGameLoop/Slides/Part1-EventBasedGameLoop.pptx
+++ b/ClassMaterials/EventBasedGameLoop/Slides/Part1-EventBasedGameLoop.pptx
@@ -176,13 +176,33 @@
 </p:cmAuthorLst>
 </file>
 
-<file path=ppt/revisionInfo.xml><?xml version="1.0" encoding="utf-8"?>
-<p1510:revInfo xmlns:a="http://schemas.openxmlformats.org/drawingml/2006/main" xmlns:r="http://schemas.openxmlformats.org/officeDocument/2006/relationships" xmlns:p1510="http://schemas.microsoft.com/office/powerpoint/2015/10/main">
-  <p1510:revLst>
-    <p1510:client id="{AC7127DF-E1E4-4E06-BFE4-1ECF958C57DE}" v="2" dt="2022-10-17T15:45:37.146"/>
-    <p1510:client id="{E5D7AB91-DFEC-4FF9-AF57-FC088B454CC0}" v="56" dt="2022-10-21T05:32:43.375"/>
-  </p1510:revLst>
-</p1510:revInfo>
+<file path=ppt/changesInfos/changesInfo1.xml><?xml version="1.0" encoding="utf-8"?>
+<pc:chgInfo xmlns:a="http://schemas.openxmlformats.org/drawingml/2006/main" xmlns:r="http://schemas.openxmlformats.org/officeDocument/2006/relationships" xmlns:ac="http://schemas.microsoft.com/office/drawing/2013/main/command" xmlns:pc="http://schemas.microsoft.com/office/powerpoint/2013/main/command">
+  <pc:docChgLst>
+    <pc:chgData name="Yoder, Jason" userId="28f4d4d8-da04-4f86-b14d-a21675737bc5" providerId="ADAL" clId="{DA6098F7-803F-4D15-9074-EC09E0E52FCE}"/>
+    <pc:docChg chg="modSld">
+      <pc:chgData name="Yoder, Jason" userId="28f4d4d8-da04-4f86-b14d-a21675737bc5" providerId="ADAL" clId="{DA6098F7-803F-4D15-9074-EC09E0E52FCE}" dt="2023-09-03T17:51:22.690" v="5" actId="20577"/>
+      <pc:docMkLst>
+        <pc:docMk/>
+      </pc:docMkLst>
+      <pc:sldChg chg="modSp mod">
+        <pc:chgData name="Yoder, Jason" userId="28f4d4d8-da04-4f86-b14d-a21675737bc5" providerId="ADAL" clId="{DA6098F7-803F-4D15-9074-EC09E0E52FCE}" dt="2023-09-03T17:51:22.690" v="5" actId="20577"/>
+        <pc:sldMkLst>
+          <pc:docMk/>
+          <pc:sldMk cId="0" sldId="340"/>
+        </pc:sldMkLst>
+        <pc:spChg chg="mod">
+          <ac:chgData name="Yoder, Jason" userId="28f4d4d8-da04-4f86-b14d-a21675737bc5" providerId="ADAL" clId="{DA6098F7-803F-4D15-9074-EC09E0E52FCE}" dt="2023-09-03T17:51:22.690" v="5" actId="20577"/>
+          <ac:spMkLst>
+            <pc:docMk/>
+            <pc:sldMk cId="0" sldId="340"/>
+            <ac:spMk id="3" creationId="{9323CFD7-713B-3BB9-5F0C-C365F6EA59C3}"/>
+          </ac:spMkLst>
+        </pc:spChg>
+      </pc:sldChg>
+    </pc:docChg>
+  </pc:docChgLst>
+</pc:chgInfo>
 </file>
 
 <file path=ppt/handoutMasters/handoutMaster1.xml><?xml version="1.0" encoding="utf-8"?>
@@ -299,7 +319,7 @@
             <a:fld id="{68AFFCC9-E980-4A2E-8F84-91052C1F2C22}" type="datetime1">
               <a:rPr lang="en-US"/>
               <a:pPr/>
-              <a:t>1/23/2023</a:t>
+              <a:t>9/3/2023</a:t>
             </a:fld>
             <a:endParaRPr lang="en-US"/>
           </a:p>
@@ -528,7 +548,7 @@
             <a:fld id="{C4411CED-79EF-4046-B79B-F8927B54B6B0}" type="datetime1">
               <a:rPr lang="en-US"/>
               <a:pPr/>
-              <a:t>1/23/2023</a:t>
+              <a:t>9/3/2023</a:t>
             </a:fld>
             <a:endParaRPr lang="en-US"/>
           </a:p>
@@ -1154,7 +1174,7 @@
             <a:fld id="{43E6E5DC-7A70-4CAB-B8CA-FD7CFBA6DDCF}" type="datetime1">
               <a:rPr lang="en-US" smtClean="0"/>
               <a:pPr/>
-              <a:t>1/23/2023</a:t>
+              <a:t>9/3/2023</a:t>
             </a:fld>
             <a:endParaRPr lang="en-US"/>
           </a:p>
@@ -1327,7 +1347,7 @@
             <a:fld id="{34C58A64-F6CF-4D4F-A14E-4E9A6689521C}" type="datetime1">
               <a:rPr lang="en-US" smtClean="0"/>
               <a:pPr/>
-              <a:t>1/23/2023</a:t>
+              <a:t>9/3/2023</a:t>
             </a:fld>
             <a:endParaRPr lang="en-US"/>
           </a:p>
@@ -1510,7 +1530,7 @@
             <a:fld id="{28A961FD-7946-4EF3-8B09-2E96C5099CE1}" type="datetime1">
               <a:rPr lang="en-US" smtClean="0"/>
               <a:pPr/>
-              <a:t>1/23/2023</a:t>
+              <a:t>9/3/2023</a:t>
             </a:fld>
             <a:endParaRPr lang="en-US"/>
           </a:p>
@@ -1683,7 +1703,7 @@
             <a:fld id="{410E03A8-3A50-4824-93B1-5AB2817A85E6}" type="datetime1">
               <a:rPr lang="en-US" smtClean="0"/>
               <a:pPr/>
-              <a:t>1/23/2023</a:t>
+              <a:t>9/3/2023</a:t>
             </a:fld>
             <a:endParaRPr lang="en-US"/>
           </a:p>
@@ -1933,7 +1953,7 @@
             <a:fld id="{69EE78C3-2E3E-4EDD-A8FC-A11FEA9CDF04}" type="datetime1">
               <a:rPr lang="en-US" smtClean="0"/>
               <a:pPr/>
-              <a:t>1/23/2023</a:t>
+              <a:t>9/3/2023</a:t>
             </a:fld>
             <a:endParaRPr lang="en-US"/>
           </a:p>
@@ -2223,7 +2243,7 @@
             <a:fld id="{9CAD6738-AE48-490E-BA60-16B31C3E5798}" type="datetime1">
               <a:rPr lang="en-US" smtClean="0"/>
               <a:pPr/>
-              <a:t>1/23/2023</a:t>
+              <a:t>9/3/2023</a:t>
             </a:fld>
             <a:endParaRPr lang="en-US"/>
           </a:p>
@@ -2647,7 +2667,7 @@
             <a:fld id="{12137309-80BC-4890-B91A-AB9885E172E5}" type="datetime1">
               <a:rPr lang="en-US" smtClean="0"/>
               <a:pPr/>
-              <a:t>1/23/2023</a:t>
+              <a:t>9/3/2023</a:t>
             </a:fld>
             <a:endParaRPr lang="en-US"/>
           </a:p>
@@ -2769,7 +2789,7 @@
             <a:fld id="{79C16A63-0F78-4E9D-81E4-A84E1F25A0A3}" type="datetime1">
               <a:rPr lang="en-US" smtClean="0"/>
               <a:pPr/>
-              <a:t>1/23/2023</a:t>
+              <a:t>9/3/2023</a:t>
             </a:fld>
             <a:endParaRPr lang="en-US"/>
           </a:p>
@@ -2869,7 +2889,7 @@
             <a:fld id="{DC5FF9E9-979C-4422-A1BB-1DC64426F0DA}" type="datetime1">
               <a:rPr lang="en-US" smtClean="0"/>
               <a:pPr/>
-              <a:t>1/23/2023</a:t>
+              <a:t>9/3/2023</a:t>
             </a:fld>
             <a:endParaRPr lang="en-US"/>
           </a:p>
@@ -3149,7 +3169,7 @@
             <a:fld id="{B9B7020D-910B-4676-A902-AD52382F28B6}" type="datetime1">
               <a:rPr lang="en-US" smtClean="0"/>
               <a:pPr/>
-              <a:t>1/23/2023</a:t>
+              <a:t>9/3/2023</a:t>
             </a:fld>
             <a:endParaRPr lang="en-US"/>
           </a:p>
@@ -3406,7 +3426,7 @@
             <a:fld id="{4695FF79-924D-47D6-A727-6A03000C0C91}" type="datetime1">
               <a:rPr lang="en-US" smtClean="0"/>
               <a:pPr/>
-              <a:t>1/23/2023</a:t>
+              <a:t>9/3/2023</a:t>
             </a:fld>
             <a:endParaRPr lang="en-US"/>
           </a:p>
@@ -3622,7 +3642,7 @@
             <a:fld id="{A51E304D-C692-4D58-A925-D35D66927263}" type="datetime1">
               <a:rPr lang="en-US" smtClean="0"/>
               <a:pPr/>
-              <a:t>1/23/2023</a:t>
+              <a:t>9/3/2023</a:t>
             </a:fld>
             <a:endParaRPr lang="en-US"/>
           </a:p>
@@ -4238,13 +4258,18 @@
           </a:p>
           <a:p>
             <a:r>
-              <a:rPr lang="en-US" sz="4400" dirty="0">
+              <a:rPr lang="en-US" sz="4400">
                 <a:highlight>
                   <a:srgbClr val="FFFF00"/>
                 </a:highlight>
               </a:rPr>
-              <a:t>_________</a:t>
-            </a:r>
+              <a:t>timers</a:t>
+            </a:r>
+            <a:endParaRPr lang="en-US" sz="4400" dirty="0">
+              <a:highlight>
+                <a:srgbClr val="FFFF00"/>
+              </a:highlight>
+            </a:endParaRPr>
           </a:p>
         </p:txBody>
       </p:sp>
@@ -5689,6 +5714,26 @@
 </file>
 
 <file path=customXml/item1.xml><?xml version="1.0" encoding="utf-8"?>
+<?mso-contentType ?>
+<FormTemplates xmlns="http://schemas.microsoft.com/sharepoint/v3/contenttype/forms">
+  <Display>DocumentLibraryForm</Display>
+  <Edit>DocumentLibraryForm</Edit>
+  <New>DocumentLibraryForm</New>
+</FormTemplates>
+</file>
+
+<file path=customXml/item2.xml><?xml version="1.0" encoding="utf-8"?>
+<p:properties xmlns:p="http://schemas.microsoft.com/office/2006/metadata/properties" xmlns:xsi="http://www.w3.org/2001/XMLSchema-instance" xmlns:pc="http://schemas.microsoft.com/office/infopath/2007/PartnerControls">
+  <documentManagement>
+    <TaxCatchAll xmlns="820f9cb1-409d-4c4b-8197-1d4f7dd48124" xsi:nil="true"/>
+    <lcf76f155ced4ddcb4097134ff3c332f xmlns="08600313-7276-4ca7-b5d3-7d86193ee0ac">
+      <Terms xmlns="http://schemas.microsoft.com/office/infopath/2007/PartnerControls"/>
+    </lcf76f155ced4ddcb4097134ff3c332f>
+  </documentManagement>
+</p:properties>
+</file>
+
+<file path=customXml/item3.xml><?xml version="1.0" encoding="utf-8"?>
 <ct:contentTypeSchema xmlns:ct="http://schemas.microsoft.com/office/2006/metadata/contentType" xmlns:ma="http://schemas.microsoft.com/office/2006/metadata/properties/metaAttributes" ct:_="" ma:_="" ma:contentTypeName="Document" ma:contentTypeID="0x0101004285D81DBE5F5A448E892B34D6B8CF20" ma:contentTypeVersion="8" ma:contentTypeDescription="Create a new document." ma:contentTypeScope="" ma:versionID="ecce54155d2ea7caa9aed06c8b6b9867">
   <xsd:schema xmlns:xsd="http://www.w3.org/2001/XMLSchema" xmlns:xs="http://www.w3.org/2001/XMLSchema" xmlns:p="http://schemas.microsoft.com/office/2006/metadata/properties" xmlns:ns2="08600313-7276-4ca7-b5d3-7d86193ee0ac" xmlns:ns3="820f9cb1-409d-4c4b-8197-1d4f7dd48124" targetNamespace="http://schemas.microsoft.com/office/2006/metadata/properties" ma:root="true" ma:fieldsID="bfd7385540b70b2fe84ac888cc214377" ns2:_="" ns3:_="">
     <xsd:import namespace="08600313-7276-4ca7-b5d3-7d86193ee0ac"/>
@@ -5865,41 +5910,10 @@
 </ct:contentTypeSchema>
 </file>
 
-<file path=customXml/item2.xml><?xml version="1.0" encoding="utf-8"?>
-<p:properties xmlns:p="http://schemas.microsoft.com/office/2006/metadata/properties" xmlns:xsi="http://www.w3.org/2001/XMLSchema-instance" xmlns:pc="http://schemas.microsoft.com/office/infopath/2007/PartnerControls">
-  <documentManagement>
-    <TaxCatchAll xmlns="820f9cb1-409d-4c4b-8197-1d4f7dd48124" xsi:nil="true"/>
-    <lcf76f155ced4ddcb4097134ff3c332f xmlns="08600313-7276-4ca7-b5d3-7d86193ee0ac">
-      <Terms xmlns="http://schemas.microsoft.com/office/infopath/2007/PartnerControls"/>
-    </lcf76f155ced4ddcb4097134ff3c332f>
-  </documentManagement>
-</p:properties>
-</file>
-
-<file path=customXml/item3.xml><?xml version="1.0" encoding="utf-8"?>
-<?mso-contentType ?>
-<FormTemplates xmlns="http://schemas.microsoft.com/sharepoint/v3/contenttype/forms">
-  <Display>DocumentLibraryForm</Display>
-  <Edit>DocumentLibraryForm</Edit>
-  <New>DocumentLibraryForm</New>
-</FormTemplates>
-</file>
-
 <file path=customXml/itemProps1.xml><?xml version="1.0" encoding="utf-8"?>
-<ds:datastoreItem xmlns:ds="http://schemas.openxmlformats.org/officeDocument/2006/customXml" ds:itemID="{54EB4FC6-A2A2-40B0-A84A-BBFCE3674D6D}">
+<ds:datastoreItem xmlns:ds="http://schemas.openxmlformats.org/officeDocument/2006/customXml" ds:itemID="{2A7C915E-4009-47CE-94D4-97E75DE59B25}">
   <ds:schemaRefs>
-    <ds:schemaRef ds:uri="08600313-7276-4ca7-b5d3-7d86193ee0ac"/>
-    <ds:schemaRef ds:uri="820f9cb1-409d-4c4b-8197-1d4f7dd48124"/>
-    <ds:schemaRef ds:uri="http://purl.org/dc/elements/1.1/"/>
-    <ds:schemaRef ds:uri="http://purl.org/dc/terms/"/>
-    <ds:schemaRef ds:uri="http://schemas.microsoft.com/internal/obd"/>
-    <ds:schemaRef ds:uri="http://schemas.microsoft.com/office/2006/documentManagement/types"/>
-    <ds:schemaRef ds:uri="http://schemas.microsoft.com/office/2006/metadata/contentType"/>
-    <ds:schemaRef ds:uri="http://schemas.microsoft.com/office/2006/metadata/properties"/>
-    <ds:schemaRef ds:uri="http://schemas.microsoft.com/office/2006/metadata/properties/metaAttributes"/>
-    <ds:schemaRef ds:uri="http://schemas.microsoft.com/office/infopath/2007/PartnerControls"/>
-    <ds:schemaRef ds:uri="http://schemas.openxmlformats.org/package/2006/metadata/core-properties"/>
-    <ds:schemaRef ds:uri="http://www.w3.org/2001/XMLSchema"/>
+    <ds:schemaRef ds:uri="http://schemas.microsoft.com/sharepoint/v3/contenttype/forms"/>
   </ds:schemaRefs>
 </ds:datastoreItem>
 </file>
@@ -5922,9 +5936,20 @@
 </file>
 
 <file path=customXml/itemProps3.xml><?xml version="1.0" encoding="utf-8"?>
-<ds:datastoreItem xmlns:ds="http://schemas.openxmlformats.org/officeDocument/2006/customXml" ds:itemID="{2A7C915E-4009-47CE-94D4-97E75DE59B25}">
+<ds:datastoreItem xmlns:ds="http://schemas.openxmlformats.org/officeDocument/2006/customXml" ds:itemID="{54EB4FC6-A2A2-40B0-A84A-BBFCE3674D6D}">
   <ds:schemaRefs>
-    <ds:schemaRef ds:uri="http://schemas.microsoft.com/sharepoint/v3/contenttype/forms"/>
+    <ds:schemaRef ds:uri="08600313-7276-4ca7-b5d3-7d86193ee0ac"/>
+    <ds:schemaRef ds:uri="820f9cb1-409d-4c4b-8197-1d4f7dd48124"/>
+    <ds:schemaRef ds:uri="http://purl.org/dc/elements/1.1/"/>
+    <ds:schemaRef ds:uri="http://purl.org/dc/terms/"/>
+    <ds:schemaRef ds:uri="http://schemas.microsoft.com/internal/obd"/>
+    <ds:schemaRef ds:uri="http://schemas.microsoft.com/office/2006/documentManagement/types"/>
+    <ds:schemaRef ds:uri="http://schemas.microsoft.com/office/2006/metadata/contentType"/>
+    <ds:schemaRef ds:uri="http://schemas.microsoft.com/office/2006/metadata/properties"/>
+    <ds:schemaRef ds:uri="http://schemas.microsoft.com/office/2006/metadata/properties/metaAttributes"/>
+    <ds:schemaRef ds:uri="http://schemas.microsoft.com/office/infopath/2007/PartnerControls"/>
+    <ds:schemaRef ds:uri="http://schemas.openxmlformats.org/package/2006/metadata/core-properties"/>
+    <ds:schemaRef ds:uri="http://www.w3.org/2001/XMLSchema"/>
   </ds:schemaRefs>
 </ds:datastoreItem>
 </file>
--- a/ClassMaterials/EventBasedGameLoop/Slides/Part1-EventBasedGameLoop.pptx
+++ b/ClassMaterials/EventBasedGameLoop/Slides/Part1-EventBasedGameLoop.pptx
@@ -176,33 +176,13 @@
 </p:cmAuthorLst>
 </file>
 
-<file path=ppt/changesInfos/changesInfo1.xml><?xml version="1.0" encoding="utf-8"?>
-<pc:chgInfo xmlns:a="http://schemas.openxmlformats.org/drawingml/2006/main" xmlns:r="http://schemas.openxmlformats.org/officeDocument/2006/relationships" xmlns:ac="http://schemas.microsoft.com/office/drawing/2013/main/command" xmlns:pc="http://schemas.microsoft.com/office/powerpoint/2013/main/command">
-  <pc:docChgLst>
-    <pc:chgData name="Yoder, Jason" userId="28f4d4d8-da04-4f86-b14d-a21675737bc5" providerId="ADAL" clId="{DA6098F7-803F-4D15-9074-EC09E0E52FCE}"/>
-    <pc:docChg chg="modSld">
-      <pc:chgData name="Yoder, Jason" userId="28f4d4d8-da04-4f86-b14d-a21675737bc5" providerId="ADAL" clId="{DA6098F7-803F-4D15-9074-EC09E0E52FCE}" dt="2023-09-03T17:51:22.690" v="5" actId="20577"/>
-      <pc:docMkLst>
-        <pc:docMk/>
-      </pc:docMkLst>
-      <pc:sldChg chg="modSp mod">
-        <pc:chgData name="Yoder, Jason" userId="28f4d4d8-da04-4f86-b14d-a21675737bc5" providerId="ADAL" clId="{DA6098F7-803F-4D15-9074-EC09E0E52FCE}" dt="2023-09-03T17:51:22.690" v="5" actId="20577"/>
-        <pc:sldMkLst>
-          <pc:docMk/>
-          <pc:sldMk cId="0" sldId="340"/>
-        </pc:sldMkLst>
-        <pc:spChg chg="mod">
-          <ac:chgData name="Yoder, Jason" userId="28f4d4d8-da04-4f86-b14d-a21675737bc5" providerId="ADAL" clId="{DA6098F7-803F-4D15-9074-EC09E0E52FCE}" dt="2023-09-03T17:51:22.690" v="5" actId="20577"/>
-          <ac:spMkLst>
-            <pc:docMk/>
-            <pc:sldMk cId="0" sldId="340"/>
-            <ac:spMk id="3" creationId="{9323CFD7-713B-3BB9-5F0C-C365F6EA59C3}"/>
-          </ac:spMkLst>
-        </pc:spChg>
-      </pc:sldChg>
-    </pc:docChg>
-  </pc:docChgLst>
-</pc:chgInfo>
+<file path=ppt/revisionInfo.xml><?xml version="1.0" encoding="utf-8"?>
+<p1510:revInfo xmlns:a="http://schemas.openxmlformats.org/drawingml/2006/main" xmlns:r="http://schemas.openxmlformats.org/officeDocument/2006/relationships" xmlns:p1510="http://schemas.microsoft.com/office/powerpoint/2015/10/main">
+  <p1510:revLst>
+    <p1510:client id="{AC7127DF-E1E4-4E06-BFE4-1ECF958C57DE}" v="2" dt="2022-10-17T15:45:37.146"/>
+    <p1510:client id="{E5D7AB91-DFEC-4FF9-AF57-FC088B454CC0}" v="56" dt="2022-10-21T05:32:43.375"/>
+  </p1510:revLst>
+</p1510:revInfo>
 </file>
 
 <file path=ppt/handoutMasters/handoutMaster1.xml><?xml version="1.0" encoding="utf-8"?>
@@ -319,7 +299,7 @@
             <a:fld id="{68AFFCC9-E980-4A2E-8F84-91052C1F2C22}" type="datetime1">
               <a:rPr lang="en-US"/>
               <a:pPr/>
-              <a:t>9/3/2023</a:t>
+              <a:t>1/23/2023</a:t>
             </a:fld>
             <a:endParaRPr lang="en-US"/>
           </a:p>
@@ -548,7 +528,7 @@
             <a:fld id="{C4411CED-79EF-4046-B79B-F8927B54B6B0}" type="datetime1">
               <a:rPr lang="en-US"/>
               <a:pPr/>
-              <a:t>9/3/2023</a:t>
+              <a:t>1/23/2023</a:t>
             </a:fld>
             <a:endParaRPr lang="en-US"/>
           </a:p>
@@ -1174,7 +1154,7 @@
             <a:fld id="{43E6E5DC-7A70-4CAB-B8CA-FD7CFBA6DDCF}" type="datetime1">
               <a:rPr lang="en-US" smtClean="0"/>
               <a:pPr/>
-              <a:t>9/3/2023</a:t>
+              <a:t>1/23/2023</a:t>
             </a:fld>
             <a:endParaRPr lang="en-US"/>
           </a:p>
@@ -1347,7 +1327,7 @@
             <a:fld id="{34C58A64-F6CF-4D4F-A14E-4E9A6689521C}" type="datetime1">
               <a:rPr lang="en-US" smtClean="0"/>
               <a:pPr/>
-              <a:t>9/3/2023</a:t>
+              <a:t>1/23/2023</a:t>
             </a:fld>
             <a:endParaRPr lang="en-US"/>
           </a:p>
@@ -1530,7 +1510,7 @@
             <a:fld id="{28A961FD-7946-4EF3-8B09-2E96C5099CE1}" type="datetime1">
               <a:rPr lang="en-US" smtClean="0"/>
               <a:pPr/>
-              <a:t>9/3/2023</a:t>
+              <a:t>1/23/2023</a:t>
             </a:fld>
             <a:endParaRPr lang="en-US"/>
           </a:p>
@@ -1703,7 +1683,7 @@
             <a:fld id="{410E03A8-3A50-4824-93B1-5AB2817A85E6}" type="datetime1">
               <a:rPr lang="en-US" smtClean="0"/>
               <a:pPr/>
-              <a:t>9/3/2023</a:t>
+              <a:t>1/23/2023</a:t>
             </a:fld>
             <a:endParaRPr lang="en-US"/>
           </a:p>
@@ -1953,7 +1933,7 @@
             <a:fld id="{69EE78C3-2E3E-4EDD-A8FC-A11FEA9CDF04}" type="datetime1">
               <a:rPr lang="en-US" smtClean="0"/>
               <a:pPr/>
-              <a:t>9/3/2023</a:t>
+              <a:t>1/23/2023</a:t>
             </a:fld>
             <a:endParaRPr lang="en-US"/>
           </a:p>
@@ -2243,7 +2223,7 @@
             <a:fld id="{9CAD6738-AE48-490E-BA60-16B31C3E5798}" type="datetime1">
               <a:rPr lang="en-US" smtClean="0"/>
               <a:pPr/>
-              <a:t>9/3/2023</a:t>
+              <a:t>1/23/2023</a:t>
             </a:fld>
             <a:endParaRPr lang="en-US"/>
           </a:p>
@@ -2667,7 +2647,7 @@
             <a:fld id="{12137309-80BC-4890-B91A-AB9885E172E5}" type="datetime1">
               <a:rPr lang="en-US" smtClean="0"/>
               <a:pPr/>
-              <a:t>9/3/2023</a:t>
+              <a:t>1/23/2023</a:t>
             </a:fld>
             <a:endParaRPr lang="en-US"/>
           </a:p>
@@ -2789,7 +2769,7 @@
             <a:fld id="{79C16A63-0F78-4E9D-81E4-A84E1F25A0A3}" type="datetime1">
               <a:rPr lang="en-US" smtClean="0"/>
               <a:pPr/>
-              <a:t>9/3/2023</a:t>
+              <a:t>1/23/2023</a:t>
             </a:fld>
             <a:endParaRPr lang="en-US"/>
           </a:p>
@@ -2889,7 +2869,7 @@
             <a:fld id="{DC5FF9E9-979C-4422-A1BB-1DC64426F0DA}" type="datetime1">
               <a:rPr lang="en-US" smtClean="0"/>
               <a:pPr/>
-              <a:t>9/3/2023</a:t>
+              <a:t>1/23/2023</a:t>
             </a:fld>
             <a:endParaRPr lang="en-US"/>
           </a:p>
@@ -3169,7 +3149,7 @@
             <a:fld id="{B9B7020D-910B-4676-A902-AD52382F28B6}" type="datetime1">
               <a:rPr lang="en-US" smtClean="0"/>
               <a:pPr/>
-              <a:t>9/3/2023</a:t>
+              <a:t>1/23/2023</a:t>
             </a:fld>
             <a:endParaRPr lang="en-US"/>
           </a:p>
@@ -3426,7 +3406,7 @@
             <a:fld id="{4695FF79-924D-47D6-A727-6A03000C0C91}" type="datetime1">
               <a:rPr lang="en-US" smtClean="0"/>
               <a:pPr/>
-              <a:t>9/3/2023</a:t>
+              <a:t>1/23/2023</a:t>
             </a:fld>
             <a:endParaRPr lang="en-US"/>
           </a:p>
@@ -3642,7 +3622,7 @@
             <a:fld id="{A51E304D-C692-4D58-A925-D35D66927263}" type="datetime1">
               <a:rPr lang="en-US" smtClean="0"/>
               <a:pPr/>
-              <a:t>9/3/2023</a:t>
+              <a:t>1/23/2023</a:t>
             </a:fld>
             <a:endParaRPr lang="en-US"/>
           </a:p>
@@ -4258,18 +4238,13 @@
           </a:p>
           <a:p>
             <a:r>
-              <a:rPr lang="en-US" sz="4400">
+              <a:rPr lang="en-US" sz="4400" dirty="0">
                 <a:highlight>
                   <a:srgbClr val="FFFF00"/>
                 </a:highlight>
               </a:rPr>
-              <a:t>timers</a:t>
-            </a:r>
-            <a:endParaRPr lang="en-US" sz="4400" dirty="0">
-              <a:highlight>
-                <a:srgbClr val="FFFF00"/>
-              </a:highlight>
-            </a:endParaRPr>
+              <a:t>_________</a:t>
+            </a:r>
           </a:p>
         </p:txBody>
       </p:sp>
@@ -5714,26 +5689,6 @@
 </file>
 
 <file path=customXml/item1.xml><?xml version="1.0" encoding="utf-8"?>
-<?mso-contentType ?>
-<FormTemplates xmlns="http://schemas.microsoft.com/sharepoint/v3/contenttype/forms">
-  <Display>DocumentLibraryForm</Display>
-  <Edit>DocumentLibraryForm</Edit>
-  <New>DocumentLibraryForm</New>
-</FormTemplates>
-</file>
-
-<file path=customXml/item2.xml><?xml version="1.0" encoding="utf-8"?>
-<p:properties xmlns:p="http://schemas.microsoft.com/office/2006/metadata/properties" xmlns:xsi="http://www.w3.org/2001/XMLSchema-instance" xmlns:pc="http://schemas.microsoft.com/office/infopath/2007/PartnerControls">
-  <documentManagement>
-    <TaxCatchAll xmlns="820f9cb1-409d-4c4b-8197-1d4f7dd48124" xsi:nil="true"/>
-    <lcf76f155ced4ddcb4097134ff3c332f xmlns="08600313-7276-4ca7-b5d3-7d86193ee0ac">
-      <Terms xmlns="http://schemas.microsoft.com/office/infopath/2007/PartnerControls"/>
-    </lcf76f155ced4ddcb4097134ff3c332f>
-  </documentManagement>
-</p:properties>
-</file>
-
-<file path=customXml/item3.xml><?xml version="1.0" encoding="utf-8"?>
 <ct:contentTypeSchema xmlns:ct="http://schemas.microsoft.com/office/2006/metadata/contentType" xmlns:ma="http://schemas.microsoft.com/office/2006/metadata/properties/metaAttributes" ct:_="" ma:_="" ma:contentTypeName="Document" ma:contentTypeID="0x0101004285D81DBE5F5A448E892B34D6B8CF20" ma:contentTypeVersion="8" ma:contentTypeDescription="Create a new document." ma:contentTypeScope="" ma:versionID="ecce54155d2ea7caa9aed06c8b6b9867">
   <xsd:schema xmlns:xsd="http://www.w3.org/2001/XMLSchema" xmlns:xs="http://www.w3.org/2001/XMLSchema" xmlns:p="http://schemas.microsoft.com/office/2006/metadata/properties" xmlns:ns2="08600313-7276-4ca7-b5d3-7d86193ee0ac" xmlns:ns3="820f9cb1-409d-4c4b-8197-1d4f7dd48124" targetNamespace="http://schemas.microsoft.com/office/2006/metadata/properties" ma:root="true" ma:fieldsID="bfd7385540b70b2fe84ac888cc214377" ns2:_="" ns3:_="">
     <xsd:import namespace="08600313-7276-4ca7-b5d3-7d86193ee0ac"/>
@@ -5910,10 +5865,41 @@
 </ct:contentTypeSchema>
 </file>
 
+<file path=customXml/item2.xml><?xml version="1.0" encoding="utf-8"?>
+<p:properties xmlns:p="http://schemas.microsoft.com/office/2006/metadata/properties" xmlns:xsi="http://www.w3.org/2001/XMLSchema-instance" xmlns:pc="http://schemas.microsoft.com/office/infopath/2007/PartnerControls">
+  <documentManagement>
+    <TaxCatchAll xmlns="820f9cb1-409d-4c4b-8197-1d4f7dd48124" xsi:nil="true"/>
+    <lcf76f155ced4ddcb4097134ff3c332f xmlns="08600313-7276-4ca7-b5d3-7d86193ee0ac">
+      <Terms xmlns="http://schemas.microsoft.com/office/infopath/2007/PartnerControls"/>
+    </lcf76f155ced4ddcb4097134ff3c332f>
+  </documentManagement>
+</p:properties>
+</file>
+
+<file path=customXml/item3.xml><?xml version="1.0" encoding="utf-8"?>
+<?mso-contentType ?>
+<FormTemplates xmlns="http://schemas.microsoft.com/sharepoint/v3/contenttype/forms">
+  <Display>DocumentLibraryForm</Display>
+  <Edit>DocumentLibraryForm</Edit>
+  <New>DocumentLibraryForm</New>
+</FormTemplates>
+</file>
+
 <file path=customXml/itemProps1.xml><?xml version="1.0" encoding="utf-8"?>
-<ds:datastoreItem xmlns:ds="http://schemas.openxmlformats.org/officeDocument/2006/customXml" ds:itemID="{2A7C915E-4009-47CE-94D4-97E75DE59B25}">
+<ds:datastoreItem xmlns:ds="http://schemas.openxmlformats.org/officeDocument/2006/customXml" ds:itemID="{54EB4FC6-A2A2-40B0-A84A-BBFCE3674D6D}">
   <ds:schemaRefs>
-    <ds:schemaRef ds:uri="http://schemas.microsoft.com/sharepoint/v3/contenttype/forms"/>
+    <ds:schemaRef ds:uri="08600313-7276-4ca7-b5d3-7d86193ee0ac"/>
+    <ds:schemaRef ds:uri="820f9cb1-409d-4c4b-8197-1d4f7dd48124"/>
+    <ds:schemaRef ds:uri="http://purl.org/dc/elements/1.1/"/>
+    <ds:schemaRef ds:uri="http://purl.org/dc/terms/"/>
+    <ds:schemaRef ds:uri="http://schemas.microsoft.com/internal/obd"/>
+    <ds:schemaRef ds:uri="http://schemas.microsoft.com/office/2006/documentManagement/types"/>
+    <ds:schemaRef ds:uri="http://schemas.microsoft.com/office/2006/metadata/contentType"/>
+    <ds:schemaRef ds:uri="http://schemas.microsoft.com/office/2006/metadata/properties"/>
+    <ds:schemaRef ds:uri="http://schemas.microsoft.com/office/2006/metadata/properties/metaAttributes"/>
+    <ds:schemaRef ds:uri="http://schemas.microsoft.com/office/infopath/2007/PartnerControls"/>
+    <ds:schemaRef ds:uri="http://schemas.openxmlformats.org/package/2006/metadata/core-properties"/>
+    <ds:schemaRef ds:uri="http://www.w3.org/2001/XMLSchema"/>
   </ds:schemaRefs>
 </ds:datastoreItem>
 </file>
@@ -5936,20 +5922,9 @@
 </file>
 
 <file path=customXml/itemProps3.xml><?xml version="1.0" encoding="utf-8"?>
-<ds:datastoreItem xmlns:ds="http://schemas.openxmlformats.org/officeDocument/2006/customXml" ds:itemID="{54EB4FC6-A2A2-40B0-A84A-BBFCE3674D6D}">
+<ds:datastoreItem xmlns:ds="http://schemas.openxmlformats.org/officeDocument/2006/customXml" ds:itemID="{2A7C915E-4009-47CE-94D4-97E75DE59B25}">
   <ds:schemaRefs>
-    <ds:schemaRef ds:uri="08600313-7276-4ca7-b5d3-7d86193ee0ac"/>
-    <ds:schemaRef ds:uri="820f9cb1-409d-4c4b-8197-1d4f7dd48124"/>
-    <ds:schemaRef ds:uri="http://purl.org/dc/elements/1.1/"/>
-    <ds:schemaRef ds:uri="http://purl.org/dc/terms/"/>
-    <ds:schemaRef ds:uri="http://schemas.microsoft.com/internal/obd"/>
-    <ds:schemaRef ds:uri="http://schemas.microsoft.com/office/2006/documentManagement/types"/>
-    <ds:schemaRef ds:uri="http://schemas.microsoft.com/office/2006/metadata/contentType"/>
-    <ds:schemaRef ds:uri="http://schemas.microsoft.com/office/2006/metadata/properties"/>
-    <ds:schemaRef ds:uri="http://schemas.microsoft.com/office/2006/metadata/properties/metaAttributes"/>
-    <ds:schemaRef ds:uri="http://schemas.microsoft.com/office/infopath/2007/PartnerControls"/>
-    <ds:schemaRef ds:uri="http://schemas.openxmlformats.org/package/2006/metadata/core-properties"/>
-    <ds:schemaRef ds:uri="http://www.w3.org/2001/XMLSchema"/>
+    <ds:schemaRef ds:uri="http://schemas.microsoft.com/sharepoint/v3/contenttype/forms"/>
   </ds:schemaRefs>
 </ds:datastoreItem>
 </file>
--- a/ClassMaterials/EventBasedGameLoop/Slides/Part1-EventBasedGameLoop.pptx
+++ b/ClassMaterials/EventBasedGameLoop/Slides/Part1-EventBasedGameLoop.pptx
@@ -299,7 +299,7 @@
             <a:fld id="{68AFFCC9-E980-4A2E-8F84-91052C1F2C22}" type="datetime1">
               <a:rPr lang="en-US"/>
               <a:pPr/>
-              <a:t>1/23/2023</a:t>
+              <a:t>10/12/2023</a:t>
             </a:fld>
             <a:endParaRPr lang="en-US"/>
           </a:p>
@@ -528,7 +528,7 @@
             <a:fld id="{C4411CED-79EF-4046-B79B-F8927B54B6B0}" type="datetime1">
               <a:rPr lang="en-US"/>
               <a:pPr/>
-              <a:t>1/23/2023</a:t>
+              <a:t>10/12/2023</a:t>
             </a:fld>
             <a:endParaRPr lang="en-US"/>
           </a:p>
@@ -1154,7 +1154,7 @@
             <a:fld id="{43E6E5DC-7A70-4CAB-B8CA-FD7CFBA6DDCF}" type="datetime1">
               <a:rPr lang="en-US" smtClean="0"/>
               <a:pPr/>
-              <a:t>1/23/2023</a:t>
+              <a:t>10/12/2023</a:t>
             </a:fld>
             <a:endParaRPr lang="en-US"/>
           </a:p>
@@ -1327,7 +1327,7 @@
             <a:fld id="{34C58A64-F6CF-4D4F-A14E-4E9A6689521C}" type="datetime1">
               <a:rPr lang="en-US" smtClean="0"/>
               <a:pPr/>
-              <a:t>1/23/2023</a:t>
+              <a:t>10/12/2023</a:t>
             </a:fld>
             <a:endParaRPr lang="en-US"/>
           </a:p>
@@ -1510,7 +1510,7 @@
             <a:fld id="{28A961FD-7946-4EF3-8B09-2E96C5099CE1}" type="datetime1">
               <a:rPr lang="en-US" smtClean="0"/>
               <a:pPr/>
-              <a:t>1/23/2023</a:t>
+              <a:t>10/12/2023</a:t>
             </a:fld>
             <a:endParaRPr lang="en-US"/>
           </a:p>
@@ -1683,7 +1683,7 @@
             <a:fld id="{410E03A8-3A50-4824-93B1-5AB2817A85E6}" type="datetime1">
               <a:rPr lang="en-US" smtClean="0"/>
               <a:pPr/>
-              <a:t>1/23/2023</a:t>
+              <a:t>10/12/2023</a:t>
             </a:fld>
             <a:endParaRPr lang="en-US"/>
           </a:p>
@@ -1933,7 +1933,7 @@
             <a:fld id="{69EE78C3-2E3E-4EDD-A8FC-A11FEA9CDF04}" type="datetime1">
               <a:rPr lang="en-US" smtClean="0"/>
               <a:pPr/>
-              <a:t>1/23/2023</a:t>
+              <a:t>10/12/2023</a:t>
             </a:fld>
             <a:endParaRPr lang="en-US"/>
           </a:p>
@@ -2223,7 +2223,7 @@
             <a:fld id="{9CAD6738-AE48-490E-BA60-16B31C3E5798}" type="datetime1">
               <a:rPr lang="en-US" smtClean="0"/>
               <a:pPr/>
-              <a:t>1/23/2023</a:t>
+              <a:t>10/12/2023</a:t>
             </a:fld>
             <a:endParaRPr lang="en-US"/>
           </a:p>
@@ -2647,7 +2647,7 @@
             <a:fld id="{12137309-80BC-4890-B91A-AB9885E172E5}" type="datetime1">
               <a:rPr lang="en-US" smtClean="0"/>
               <a:pPr/>
-              <a:t>1/23/2023</a:t>
+              <a:t>10/12/2023</a:t>
             </a:fld>
             <a:endParaRPr lang="en-US"/>
           </a:p>
@@ -2769,7 +2769,7 @@
             <a:fld id="{79C16A63-0F78-4E9D-81E4-A84E1F25A0A3}" type="datetime1">
               <a:rPr lang="en-US" smtClean="0"/>
               <a:pPr/>
-              <a:t>1/23/2023</a:t>
+              <a:t>10/12/2023</a:t>
             </a:fld>
             <a:endParaRPr lang="en-US"/>
           </a:p>
@@ -2869,7 +2869,7 @@
             <a:fld id="{DC5FF9E9-979C-4422-A1BB-1DC64426F0DA}" type="datetime1">
               <a:rPr lang="en-US" smtClean="0"/>
               <a:pPr/>
-              <a:t>1/23/2023</a:t>
+              <a:t>10/12/2023</a:t>
             </a:fld>
             <a:endParaRPr lang="en-US"/>
           </a:p>
@@ -3149,7 +3149,7 @@
             <a:fld id="{B9B7020D-910B-4676-A902-AD52382F28B6}" type="datetime1">
               <a:rPr lang="en-US" smtClean="0"/>
               <a:pPr/>
-              <a:t>1/23/2023</a:t>
+              <a:t>10/12/2023</a:t>
             </a:fld>
             <a:endParaRPr lang="en-US"/>
           </a:p>
@@ -3406,7 +3406,7 @@
             <a:fld id="{4695FF79-924D-47D6-A727-6A03000C0C91}" type="datetime1">
               <a:rPr lang="en-US" smtClean="0"/>
               <a:pPr/>
-              <a:t>1/23/2023</a:t>
+              <a:t>10/12/2023</a:t>
             </a:fld>
             <a:endParaRPr lang="en-US"/>
           </a:p>
@@ -3622,7 +3622,7 @@
             <a:fld id="{A51E304D-C692-4D58-A925-D35D66927263}" type="datetime1">
               <a:rPr lang="en-US" smtClean="0"/>
               <a:pPr/>
-              <a:t>1/23/2023</a:t>
+              <a:t>10/12/2023</a:t>
             </a:fld>
             <a:endParaRPr lang="en-US"/>
           </a:p>
@@ -4134,7 +4134,7 @@
           <a:lstStyle/>
           <a:p>
             <a:r>
-              <a:rPr lang="en-US" sz="2400">
+              <a:rPr lang="en-US" sz="2400" dirty="0">
                 <a:solidFill>
                   <a:srgbClr val="FFFFFF"/>
                 </a:solidFill>
@@ -4142,7 +4142,7 @@
               <a:t>The </a:t>
             </a:r>
             <a:r>
-              <a:rPr lang="en-US" sz="2400" i="1">
+              <a:rPr lang="en-US" sz="2400" i="1" dirty="0">
                 <a:solidFill>
                   <a:srgbClr val="FFFFFF"/>
                 </a:solidFill>
@@ -4150,7 +4150,7 @@
               <a:t>git</a:t>
             </a:r>
             <a:r>
-              <a:rPr lang="en-US" sz="2400">
+              <a:rPr lang="en-US" sz="2400" dirty="0">
                 <a:solidFill>
                   <a:srgbClr val="FFFFFF"/>
                 </a:solidFill>
@@ -4164,10 +4164,10 @@
               <a:buChar char="•"/>
             </a:pPr>
             <a:r>
-              <a:rPr lang="en-US" sz="2400" i="1" err="1"/>
+              <a:rPr lang="en-US" sz="2400" i="1" dirty="0" err="1"/>
               <a:t>PracticeEventBasedGameLoop</a:t>
             </a:r>
-            <a:endParaRPr lang="en-US" sz="2400" i="1"/>
+            <a:endParaRPr lang="en-US" sz="2400" i="1" dirty="0"/>
           </a:p>
           <a:p>
             <a:pPr marL="342900" indent="-342900">
@@ -4175,10 +4175,10 @@
               <a:buChar char="•"/>
             </a:pPr>
             <a:r>
-              <a:rPr lang="en-US" sz="2400" i="1" err="1"/>
-              <a:t>PracticeEventBasedGameLoopSolution</a:t>
-            </a:r>
-            <a:endParaRPr lang="en-US" sz="2400" i="1"/>
+              <a:rPr lang="en-US" sz="2400" i="1" dirty="0" err="1"/>
+              <a:t>PracticeSolutionEventBasedGameLoop</a:t>
+            </a:r>
+            <a:endParaRPr lang="en-US" sz="2400" i="1" dirty="0"/>
           </a:p>
         </p:txBody>
       </p:sp>
@@ -4708,7 +4708,12 @@
             <p:ph type="title"/>
           </p:nvPr>
         </p:nvSpPr>
-        <p:spPr/>
+        <p:spPr>
+          <a:xfrm>
+            <a:off x="457200" y="283782"/>
+            <a:ext cx="8229600" cy="1143000"/>
+          </a:xfrm>
+        </p:spPr>
         <p:txBody>
           <a:bodyPr>
             <a:normAutofit fontScale="90000"/>
@@ -4749,7 +4754,7 @@
               <a:rPr lang="en-US" dirty="0">
                 <a:hlinkClick r:id="rId2"/>
               </a:rPr>
-              <a:t>CSSE220 Joust Team Project</a:t>
+              <a:t>CSSE220 Jetpack Joyride Team Project</a:t>
             </a:r>
             <a:endParaRPr lang="en-US" dirty="0"/>
           </a:p>
@@ -4799,32 +4804,49 @@
       </p:sp>
       <p:pic>
         <p:nvPicPr>
-          <p:cNvPr id="5" name="Picture 4">
+          <p:cNvPr id="1026" name="Picture 2">
             <a:extLst>
               <a:ext uri="{FF2B5EF4-FFF2-40B4-BE49-F238E27FC236}">
-                <a16:creationId xmlns:a16="http://schemas.microsoft.com/office/drawing/2014/main" id="{C919835D-657C-8DA8-81AF-8C6263D50E7F}"/>
+                <a16:creationId xmlns:a16="http://schemas.microsoft.com/office/drawing/2014/main" id="{924F3E11-B7ED-5BEE-1DEB-4A58C468EE5D}"/>
               </a:ext>
             </a:extLst>
           </p:cNvPr>
           <p:cNvPicPr>
-            <a:picLocks noChangeAspect="1"/>
+            <a:picLocks noChangeAspect="1" noChangeArrowheads="1"/>
           </p:cNvPicPr>
           <p:nvPr/>
         </p:nvPicPr>
         <p:blipFill>
-          <a:blip r:embed="rId4"/>
+          <a:blip r:embed="rId4">
+            <a:extLst>
+              <a:ext uri="{28A0092B-C50C-407E-A947-70E740481C1C}">
+                <a14:useLocalDpi xmlns:a14="http://schemas.microsoft.com/office/drawing/2010/main" val="0"/>
+              </a:ext>
+            </a:extLst>
+          </a:blip>
+          <a:srcRect/>
           <a:stretch>
             <a:fillRect/>
           </a:stretch>
         </p:blipFill>
-        <p:spPr>
+        <p:spPr bwMode="auto">
           <a:xfrm>
-            <a:off x="1371600" y="2209800"/>
-            <a:ext cx="3564900" cy="2895600"/>
+            <a:off x="2728913" y="2205038"/>
+            <a:ext cx="3686175" cy="2447925"/>
           </a:xfrm>
           <a:prstGeom prst="rect">
             <a:avLst/>
           </a:prstGeom>
+          <a:noFill/>
+          <a:extLst>
+            <a:ext uri="{909E8E84-426E-40DD-AFC4-6F175D3DCCD1}">
+              <a14:hiddenFill xmlns:a14="http://schemas.microsoft.com/office/drawing/2010/main">
+                <a:solidFill>
+                  <a:srgbClr val="FFFFFF"/>
+                </a:solidFill>
+              </a14:hiddenFill>
+            </a:ext>
+          </a:extLst>
         </p:spPr>
       </p:pic>
     </p:spTree>
@@ -5689,6 +5711,17 @@
 </file>
 
 <file path=customXml/item1.xml><?xml version="1.0" encoding="utf-8"?>
+<p:properties xmlns:p="http://schemas.microsoft.com/office/2006/metadata/properties" xmlns:xsi="http://www.w3.org/2001/XMLSchema-instance" xmlns:pc="http://schemas.microsoft.com/office/infopath/2007/PartnerControls">
+  <documentManagement>
+    <TaxCatchAll xmlns="820f9cb1-409d-4c4b-8197-1d4f7dd48124" xsi:nil="true"/>
+    <lcf76f155ced4ddcb4097134ff3c332f xmlns="08600313-7276-4ca7-b5d3-7d86193ee0ac">
+      <Terms xmlns="http://schemas.microsoft.com/office/infopath/2007/PartnerControls"/>
+    </lcf76f155ced4ddcb4097134ff3c332f>
+  </documentManagement>
+</p:properties>
+</file>
+
+<file path=customXml/item2.xml><?xml version="1.0" encoding="utf-8"?>
 <ct:contentTypeSchema xmlns:ct="http://schemas.microsoft.com/office/2006/metadata/contentType" xmlns:ma="http://schemas.microsoft.com/office/2006/metadata/properties/metaAttributes" ct:_="" ma:_="" ma:contentTypeName="Document" ma:contentTypeID="0x0101004285D81DBE5F5A448E892B34D6B8CF20" ma:contentTypeVersion="8" ma:contentTypeDescription="Create a new document." ma:contentTypeScope="" ma:versionID="ecce54155d2ea7caa9aed06c8b6b9867">
   <xsd:schema xmlns:xsd="http://www.w3.org/2001/XMLSchema" xmlns:xs="http://www.w3.org/2001/XMLSchema" xmlns:p="http://schemas.microsoft.com/office/2006/metadata/properties" xmlns:ns2="08600313-7276-4ca7-b5d3-7d86193ee0ac" xmlns:ns3="820f9cb1-409d-4c4b-8197-1d4f7dd48124" targetNamespace="http://schemas.microsoft.com/office/2006/metadata/properties" ma:root="true" ma:fieldsID="bfd7385540b70b2fe84ac888cc214377" ns2:_="" ns3:_="">
     <xsd:import namespace="08600313-7276-4ca7-b5d3-7d86193ee0ac"/>
@@ -5865,17 +5898,6 @@
 </ct:contentTypeSchema>
 </file>
 
-<file path=customXml/item2.xml><?xml version="1.0" encoding="utf-8"?>
-<p:properties xmlns:p="http://schemas.microsoft.com/office/2006/metadata/properties" xmlns:xsi="http://www.w3.org/2001/XMLSchema-instance" xmlns:pc="http://schemas.microsoft.com/office/infopath/2007/PartnerControls">
-  <documentManagement>
-    <TaxCatchAll xmlns="820f9cb1-409d-4c4b-8197-1d4f7dd48124" xsi:nil="true"/>
-    <lcf76f155ced4ddcb4097134ff3c332f xmlns="08600313-7276-4ca7-b5d3-7d86193ee0ac">
-      <Terms xmlns="http://schemas.microsoft.com/office/infopath/2007/PartnerControls"/>
-    </lcf76f155ced4ddcb4097134ff3c332f>
-  </documentManagement>
-</p:properties>
-</file>
-
 <file path=customXml/item3.xml><?xml version="1.0" encoding="utf-8"?>
 <?mso-contentType ?>
 <FormTemplates xmlns="http://schemas.microsoft.com/sharepoint/v3/contenttype/forms">
@@ -5886,6 +5908,23 @@
 </file>
 
 <file path=customXml/itemProps1.xml><?xml version="1.0" encoding="utf-8"?>
+<ds:datastoreItem xmlns:ds="http://schemas.openxmlformats.org/officeDocument/2006/customXml" ds:itemID="{5A9CC447-D9E4-472B-8F77-5984014F62A7}">
+  <ds:schemaRefs>
+    <ds:schemaRef ds:uri="08600313-7276-4ca7-b5d3-7d86193ee0ac"/>
+    <ds:schemaRef ds:uri="820f9cb1-409d-4c4b-8197-1d4f7dd48124"/>
+    <ds:schemaRef ds:uri="http://purl.org/dc/dcmitype/"/>
+    <ds:schemaRef ds:uri="http://purl.org/dc/elements/1.1/"/>
+    <ds:schemaRef ds:uri="http://purl.org/dc/terms/"/>
+    <ds:schemaRef ds:uri="http://schemas.microsoft.com/office/2006/documentManagement/types"/>
+    <ds:schemaRef ds:uri="http://schemas.microsoft.com/office/2006/metadata/properties"/>
+    <ds:schemaRef ds:uri="http://schemas.microsoft.com/office/infopath/2007/PartnerControls"/>
+    <ds:schemaRef ds:uri="http://schemas.openxmlformats.org/package/2006/metadata/core-properties"/>
+    <ds:schemaRef ds:uri="http://www.w3.org/XML/1998/namespace"/>
+  </ds:schemaRefs>
+</ds:datastoreItem>
+</file>
+
+<file path=customXml/itemProps2.xml><?xml version="1.0" encoding="utf-8"?>
 <ds:datastoreItem xmlns:ds="http://schemas.openxmlformats.org/officeDocument/2006/customXml" ds:itemID="{54EB4FC6-A2A2-40B0-A84A-BBFCE3674D6D}">
   <ds:schemaRefs>
     <ds:schemaRef ds:uri="08600313-7276-4ca7-b5d3-7d86193ee0ac"/>
@@ -5904,23 +5943,6 @@
 </ds:datastoreItem>
 </file>
 
-<file path=customXml/itemProps2.xml><?xml version="1.0" encoding="utf-8"?>
-<ds:datastoreItem xmlns:ds="http://schemas.openxmlformats.org/officeDocument/2006/customXml" ds:itemID="{5A9CC447-D9E4-472B-8F77-5984014F62A7}">
-  <ds:schemaRefs>
-    <ds:schemaRef ds:uri="08600313-7276-4ca7-b5d3-7d86193ee0ac"/>
-    <ds:schemaRef ds:uri="820f9cb1-409d-4c4b-8197-1d4f7dd48124"/>
-    <ds:schemaRef ds:uri="http://purl.org/dc/dcmitype/"/>
-    <ds:schemaRef ds:uri="http://purl.org/dc/elements/1.1/"/>
-    <ds:schemaRef ds:uri="http://purl.org/dc/terms/"/>
-    <ds:schemaRef ds:uri="http://schemas.microsoft.com/office/2006/documentManagement/types"/>
-    <ds:schemaRef ds:uri="http://schemas.microsoft.com/office/2006/metadata/properties"/>
-    <ds:schemaRef ds:uri="http://schemas.microsoft.com/office/infopath/2007/PartnerControls"/>
-    <ds:schemaRef ds:uri="http://schemas.openxmlformats.org/package/2006/metadata/core-properties"/>
-    <ds:schemaRef ds:uri="http://www.w3.org/XML/1998/namespace"/>
-  </ds:schemaRefs>
-</ds:datastoreItem>
-</file>
-
 <file path=customXml/itemProps3.xml><?xml version="1.0" encoding="utf-8"?>
 <ds:datastoreItem xmlns:ds="http://schemas.openxmlformats.org/officeDocument/2006/customXml" ds:itemID="{2A7C915E-4009-47CE-94D4-97E75DE59B25}">
   <ds:schemaRefs>

--- a/ClassMaterials/EventBasedGameLoop/Slides/Part1-EventBasedGameLoop.pptx
+++ b/ClassMaterials/EventBasedGameLoop/Slides/Part1-EventBasedGameLoop.pptx
@@ -5,18 +5,17 @@
     <p:sldMasterId id="2147484629" r:id="rId4"/>
   </p:sldMasterIdLst>
   <p:notesMasterIdLst>
-    <p:notesMasterId r:id="rId11"/>
+    <p:notesMasterId r:id="rId10"/>
   </p:notesMasterIdLst>
   <p:handoutMasterIdLst>
-    <p:handoutMasterId r:id="rId12"/>
+    <p:handoutMasterId r:id="rId11"/>
   </p:handoutMasterIdLst>
   <p:sldIdLst>
     <p:sldId id="340" r:id="rId5"/>
     <p:sldId id="296" r:id="rId6"/>
     <p:sldId id="304" r:id="rId7"/>
     <p:sldId id="341" r:id="rId8"/>
-    <p:sldId id="342" r:id="rId9"/>
-    <p:sldId id="336" r:id="rId10"/>
+    <p:sldId id="336" r:id="rId9"/>
   </p:sldIdLst>
   <p:sldSz cx="9144000" cy="6858000" type="screen4x3"/>
   <p:notesSz cx="6881813" cy="9296400"/>
@@ -179,10 +178,302 @@
 <file path=ppt/revisionInfo.xml><?xml version="1.0" encoding="utf-8"?>
 <p1510:revInfo xmlns:a="http://schemas.openxmlformats.org/drawingml/2006/main" xmlns:r="http://schemas.openxmlformats.org/officeDocument/2006/relationships" xmlns:p1510="http://schemas.microsoft.com/office/powerpoint/2015/10/main">
   <p1510:revLst>
-    <p1510:client id="{AC7127DF-E1E4-4E06-BFE4-1ECF958C57DE}" v="2" dt="2022-10-17T15:45:37.146"/>
-    <p1510:client id="{E5D7AB91-DFEC-4FF9-AF57-FC088B454CC0}" v="56" dt="2022-10-21T05:32:43.375"/>
+    <p1510:client id="{3739012A-FE97-4BC2-AFD7-805421498958}" v="3" dt="2023-11-20T21:35:36.048"/>
   </p1510:revLst>
 </p1510:revInfo>
+</file>
+
+<file path=ppt/changesInfos/changesInfo1.xml><?xml version="1.0" encoding="utf-8"?>
+<pc:chgInfo xmlns:a="http://schemas.openxmlformats.org/drawingml/2006/main" xmlns:r="http://schemas.openxmlformats.org/officeDocument/2006/relationships" xmlns:ac="http://schemas.microsoft.com/office/drawing/2013/main/command" xmlns:pc="http://schemas.microsoft.com/office/powerpoint/2013/main/command">
+  <pc:docChgLst>
+    <pc:chgData name="Yoder, Jason" userId="28f4d4d8-da04-4f86-b14d-a21675737bc5" providerId="ADAL" clId="{3739012A-FE97-4BC2-AFD7-805421498958}"/>
+    <pc:docChg chg="custSel delSld modSld">
+      <pc:chgData name="Yoder, Jason" userId="28f4d4d8-da04-4f86-b14d-a21675737bc5" providerId="ADAL" clId="{3739012A-FE97-4BC2-AFD7-805421498958}" dt="2023-11-20T21:36:00.874" v="68" actId="20577"/>
+      <pc:docMkLst>
+        <pc:docMk/>
+      </pc:docMkLst>
+      <pc:sldChg chg="modSp mod">
+        <pc:chgData name="Yoder, Jason" userId="28f4d4d8-da04-4f86-b14d-a21675737bc5" providerId="ADAL" clId="{3739012A-FE97-4BC2-AFD7-805421498958}" dt="2023-11-20T21:34:25.791" v="9" actId="20577"/>
+        <pc:sldMkLst>
+          <pc:docMk/>
+          <pc:sldMk cId="4103964509" sldId="304"/>
+        </pc:sldMkLst>
+        <pc:spChg chg="mod">
+          <ac:chgData name="Yoder, Jason" userId="28f4d4d8-da04-4f86-b14d-a21675737bc5" providerId="ADAL" clId="{3739012A-FE97-4BC2-AFD7-805421498958}" dt="2023-11-20T21:34:25.791" v="9" actId="20577"/>
+          <ac:spMkLst>
+            <pc:docMk/>
+            <pc:sldMk cId="4103964509" sldId="304"/>
+            <ac:spMk id="3" creationId="{00000000-0000-0000-0000-000000000000}"/>
+          </ac:spMkLst>
+        </pc:spChg>
+      </pc:sldChg>
+      <pc:sldChg chg="modSp mod">
+        <pc:chgData name="Yoder, Jason" userId="28f4d4d8-da04-4f86-b14d-a21675737bc5" providerId="ADAL" clId="{3739012A-FE97-4BC2-AFD7-805421498958}" dt="2023-11-20T21:36:00.874" v="68" actId="20577"/>
+        <pc:sldMkLst>
+          <pc:docMk/>
+          <pc:sldMk cId="0" sldId="340"/>
+        </pc:sldMkLst>
+        <pc:spChg chg="mod">
+          <ac:chgData name="Yoder, Jason" userId="28f4d4d8-da04-4f86-b14d-a21675737bc5" providerId="ADAL" clId="{3739012A-FE97-4BC2-AFD7-805421498958}" dt="2023-11-20T21:36:00.874" v="68" actId="20577"/>
+          <ac:spMkLst>
+            <pc:docMk/>
+            <pc:sldMk cId="0" sldId="340"/>
+            <ac:spMk id="3" creationId="{9323CFD7-713B-3BB9-5F0C-C365F6EA59C3}"/>
+          </ac:spMkLst>
+        </pc:spChg>
+      </pc:sldChg>
+      <pc:sldChg chg="addSp delSp modSp mod">
+        <pc:chgData name="Yoder, Jason" userId="28f4d4d8-da04-4f86-b14d-a21675737bc5" providerId="ADAL" clId="{3739012A-FE97-4BC2-AFD7-805421498958}" dt="2023-11-20T21:35:41.952" v="57" actId="20577"/>
+        <pc:sldMkLst>
+          <pc:docMk/>
+          <pc:sldMk cId="1678538564" sldId="341"/>
+        </pc:sldMkLst>
+        <pc:spChg chg="add mod">
+          <ac:chgData name="Yoder, Jason" userId="28f4d4d8-da04-4f86-b14d-a21675737bc5" providerId="ADAL" clId="{3739012A-FE97-4BC2-AFD7-805421498958}" dt="2023-11-20T21:35:41.952" v="57" actId="20577"/>
+          <ac:spMkLst>
+            <pc:docMk/>
+            <pc:sldMk cId="1678538564" sldId="341"/>
+            <ac:spMk id="9" creationId="{BE0445D2-2E7A-539C-203E-D59382B84534}"/>
+          </ac:spMkLst>
+        </pc:spChg>
+        <pc:picChg chg="del">
+          <ac:chgData name="Yoder, Jason" userId="28f4d4d8-da04-4f86-b14d-a21675737bc5" providerId="ADAL" clId="{3739012A-FE97-4BC2-AFD7-805421498958}" dt="2023-11-20T21:35:14.438" v="13" actId="478"/>
+          <ac:picMkLst>
+            <pc:docMk/>
+            <pc:sldMk cId="1678538564" sldId="341"/>
+            <ac:picMk id="4" creationId="{F3BA576A-037E-6236-4AA4-673AEB785794}"/>
+          </ac:picMkLst>
+        </pc:picChg>
+        <pc:picChg chg="add mod">
+          <ac:chgData name="Yoder, Jason" userId="28f4d4d8-da04-4f86-b14d-a21675737bc5" providerId="ADAL" clId="{3739012A-FE97-4BC2-AFD7-805421498958}" dt="2023-11-20T21:35:30.971" v="20" actId="1076"/>
+          <ac:picMkLst>
+            <pc:docMk/>
+            <pc:sldMk cId="1678538564" sldId="341"/>
+            <ac:picMk id="5" creationId="{0022762A-BDDE-B647-CFD6-5593E02D4F87}"/>
+          </ac:picMkLst>
+        </pc:picChg>
+        <pc:picChg chg="del">
+          <ac:chgData name="Yoder, Jason" userId="28f4d4d8-da04-4f86-b14d-a21675737bc5" providerId="ADAL" clId="{3739012A-FE97-4BC2-AFD7-805421498958}" dt="2023-11-20T21:35:22.695" v="16" actId="478"/>
+          <ac:picMkLst>
+            <pc:docMk/>
+            <pc:sldMk cId="1678538564" sldId="341"/>
+            <ac:picMk id="6" creationId="{ABABD78C-7103-9F49-F32A-D4B0F33704E7}"/>
+          </ac:picMkLst>
+        </pc:picChg>
+        <pc:picChg chg="add mod">
+          <ac:chgData name="Yoder, Jason" userId="28f4d4d8-da04-4f86-b14d-a21675737bc5" providerId="ADAL" clId="{3739012A-FE97-4BC2-AFD7-805421498958}" dt="2023-11-20T21:35:25.155" v="18" actId="1076"/>
+          <ac:picMkLst>
+            <pc:docMk/>
+            <pc:sldMk cId="1678538564" sldId="341"/>
+            <ac:picMk id="8" creationId="{87AD786A-87C7-320D-66EA-543DC234C928}"/>
+          </ac:picMkLst>
+        </pc:picChg>
+      </pc:sldChg>
+      <pc:sldChg chg="modSp del mod">
+        <pc:chgData name="Yoder, Jason" userId="28f4d4d8-da04-4f86-b14d-a21675737bc5" providerId="ADAL" clId="{3739012A-FE97-4BC2-AFD7-805421498958}" dt="2023-11-20T21:35:45.257" v="58" actId="47"/>
+        <pc:sldMkLst>
+          <pc:docMk/>
+          <pc:sldMk cId="1929454314" sldId="342"/>
+        </pc:sldMkLst>
+        <pc:spChg chg="mod">
+          <ac:chgData name="Yoder, Jason" userId="28f4d4d8-da04-4f86-b14d-a21675737bc5" providerId="ADAL" clId="{3739012A-FE97-4BC2-AFD7-805421498958}" dt="2023-11-20T21:34:52.873" v="12" actId="5793"/>
+          <ac:spMkLst>
+            <pc:docMk/>
+            <pc:sldMk cId="1929454314" sldId="342"/>
+            <ac:spMk id="2" creationId="{00000000-0000-0000-0000-000000000000}"/>
+          </ac:spMkLst>
+        </pc:spChg>
+      </pc:sldChg>
+      <pc:sldChg chg="del">
+        <pc:chgData name="Yoder, Jason" userId="28f4d4d8-da04-4f86-b14d-a21675737bc5" providerId="ADAL" clId="{3739012A-FE97-4BC2-AFD7-805421498958}" dt="2023-11-20T21:33:33.690" v="0" actId="47"/>
+        <pc:sldMkLst>
+          <pc:docMk/>
+          <pc:sldMk cId="1452699708" sldId="343"/>
+        </pc:sldMkLst>
+      </pc:sldChg>
+    </pc:docChg>
+  </pc:docChgLst>
+  <pc:docChgLst>
+    <pc:chgData name="Yoder, Jason" userId="28f4d4d8-da04-4f86-b14d-a21675737bc5" providerId="ADAL" clId="{DA6098F7-803F-4D15-9074-EC09E0E52FCE}"/>
+    <pc:docChg chg="modSld">
+      <pc:chgData name="Yoder, Jason" userId="28f4d4d8-da04-4f86-b14d-a21675737bc5" providerId="ADAL" clId="{DA6098F7-803F-4D15-9074-EC09E0E52FCE}" dt="2023-09-03T17:51:22.690" v="5" actId="20577"/>
+      <pc:docMkLst>
+        <pc:docMk/>
+      </pc:docMkLst>
+      <pc:sldChg chg="modSp mod">
+        <pc:chgData name="Yoder, Jason" userId="28f4d4d8-da04-4f86-b14d-a21675737bc5" providerId="ADAL" clId="{DA6098F7-803F-4D15-9074-EC09E0E52FCE}" dt="2023-09-03T17:51:22.690" v="5" actId="20577"/>
+        <pc:sldMkLst>
+          <pc:docMk/>
+          <pc:sldMk cId="0" sldId="340"/>
+        </pc:sldMkLst>
+        <pc:spChg chg="mod">
+          <ac:chgData name="Yoder, Jason" userId="28f4d4d8-da04-4f86-b14d-a21675737bc5" providerId="ADAL" clId="{DA6098F7-803F-4D15-9074-EC09E0E52FCE}" dt="2023-09-03T17:51:22.690" v="5" actId="20577"/>
+          <ac:spMkLst>
+            <pc:docMk/>
+            <pc:sldMk cId="0" sldId="340"/>
+            <ac:spMk id="3" creationId="{9323CFD7-713B-3BB9-5F0C-C365F6EA59C3}"/>
+          </ac:spMkLst>
+        </pc:spChg>
+      </pc:sldChg>
+    </pc:docChg>
+  </pc:docChgLst>
+  <pc:docChgLst>
+    <pc:chgData name="Yoder, Jason" userId="28f4d4d8-da04-4f86-b14d-a21675737bc5" providerId="ADAL" clId="{B1D43A75-6AD4-4167-A650-7E69F9FBF595}"/>
+    <pc:docChg chg="custSel addSld modSld">
+      <pc:chgData name="Yoder, Jason" userId="28f4d4d8-da04-4f86-b14d-a21675737bc5" providerId="ADAL" clId="{B1D43A75-6AD4-4167-A650-7E69F9FBF595}" dt="2023-10-16T01:50:16.803" v="660" actId="1076"/>
+      <pc:docMkLst>
+        <pc:docMk/>
+      </pc:docMkLst>
+      <pc:sldChg chg="modSp mod">
+        <pc:chgData name="Yoder, Jason" userId="28f4d4d8-da04-4f86-b14d-a21675737bc5" providerId="ADAL" clId="{B1D43A75-6AD4-4167-A650-7E69F9FBF595}" dt="2023-10-16T01:48:47.155" v="646" actId="20577"/>
+        <pc:sldMkLst>
+          <pc:docMk/>
+          <pc:sldMk cId="4103964509" sldId="304"/>
+        </pc:sldMkLst>
+        <pc:spChg chg="mod">
+          <ac:chgData name="Yoder, Jason" userId="28f4d4d8-da04-4f86-b14d-a21675737bc5" providerId="ADAL" clId="{B1D43A75-6AD4-4167-A650-7E69F9FBF595}" dt="2023-10-16T01:48:47.155" v="646" actId="20577"/>
+          <ac:spMkLst>
+            <pc:docMk/>
+            <pc:sldMk cId="4103964509" sldId="304"/>
+            <ac:spMk id="3" creationId="{00000000-0000-0000-0000-000000000000}"/>
+          </ac:spMkLst>
+        </pc:spChg>
+      </pc:sldChg>
+      <pc:sldChg chg="addSp delSp modSp mod">
+        <pc:chgData name="Yoder, Jason" userId="28f4d4d8-da04-4f86-b14d-a21675737bc5" providerId="ADAL" clId="{B1D43A75-6AD4-4167-A650-7E69F9FBF595}" dt="2023-10-16T01:50:16.803" v="660" actId="1076"/>
+        <pc:sldMkLst>
+          <pc:docMk/>
+          <pc:sldMk cId="2808992108" sldId="336"/>
+        </pc:sldMkLst>
+        <pc:spChg chg="mod">
+          <ac:chgData name="Yoder, Jason" userId="28f4d4d8-da04-4f86-b14d-a21675737bc5" providerId="ADAL" clId="{B1D43A75-6AD4-4167-A650-7E69F9FBF595}" dt="2023-10-16T01:49:52.574" v="652" actId="27636"/>
+          <ac:spMkLst>
+            <pc:docMk/>
+            <pc:sldMk cId="2808992108" sldId="336"/>
+            <ac:spMk id="3" creationId="{7FB6827D-9B94-60EB-24C5-FE003D6BBF7E}"/>
+          </ac:spMkLst>
+        </pc:spChg>
+        <pc:spChg chg="add del">
+          <ac:chgData name="Yoder, Jason" userId="28f4d4d8-da04-4f86-b14d-a21675737bc5" providerId="ADAL" clId="{B1D43A75-6AD4-4167-A650-7E69F9FBF595}" dt="2023-10-16T01:50:06.915" v="655" actId="478"/>
+          <ac:spMkLst>
+            <pc:docMk/>
+            <pc:sldMk cId="2808992108" sldId="336"/>
+            <ac:spMk id="6" creationId="{12279FD4-840C-D548-313E-0814E12B9E4A}"/>
+          </ac:spMkLst>
+        </pc:spChg>
+        <pc:picChg chg="del">
+          <ac:chgData name="Yoder, Jason" userId="28f4d4d8-da04-4f86-b14d-a21675737bc5" providerId="ADAL" clId="{B1D43A75-6AD4-4167-A650-7E69F9FBF595}" dt="2023-10-16T01:49:57.660" v="653" actId="478"/>
+          <ac:picMkLst>
+            <pc:docMk/>
+            <pc:sldMk cId="2808992108" sldId="336"/>
+            <ac:picMk id="5" creationId="{C919835D-657C-8DA8-81AF-8C6263D50E7F}"/>
+          </ac:picMkLst>
+        </pc:picChg>
+        <pc:picChg chg="add mod">
+          <ac:chgData name="Yoder, Jason" userId="28f4d4d8-da04-4f86-b14d-a21675737bc5" providerId="ADAL" clId="{B1D43A75-6AD4-4167-A650-7E69F9FBF595}" dt="2023-10-16T01:50:16.803" v="660" actId="1076"/>
+          <ac:picMkLst>
+            <pc:docMk/>
+            <pc:sldMk cId="2808992108" sldId="336"/>
+            <ac:picMk id="8" creationId="{0B87344A-C2D1-FC53-E136-0EEE40F23618}"/>
+          </ac:picMkLst>
+        </pc:picChg>
+      </pc:sldChg>
+      <pc:sldChg chg="addSp modSp mod">
+        <pc:chgData name="Yoder, Jason" userId="28f4d4d8-da04-4f86-b14d-a21675737bc5" providerId="ADAL" clId="{B1D43A75-6AD4-4167-A650-7E69F9FBF595}" dt="2023-10-16T01:48:30.980" v="636" actId="1076"/>
+        <pc:sldMkLst>
+          <pc:docMk/>
+          <pc:sldMk cId="1678538564" sldId="341"/>
+        </pc:sldMkLst>
+        <pc:spChg chg="mod">
+          <ac:chgData name="Yoder, Jason" userId="28f4d4d8-da04-4f86-b14d-a21675737bc5" providerId="ADAL" clId="{B1D43A75-6AD4-4167-A650-7E69F9FBF595}" dt="2023-10-16T01:48:27.406" v="635" actId="14100"/>
+          <ac:spMkLst>
+            <pc:docMk/>
+            <pc:sldMk cId="1678538564" sldId="341"/>
+            <ac:spMk id="2" creationId="{00000000-0000-0000-0000-000000000000}"/>
+          </ac:spMkLst>
+        </pc:spChg>
+        <pc:picChg chg="add mod">
+          <ac:chgData name="Yoder, Jason" userId="28f4d4d8-da04-4f86-b14d-a21675737bc5" providerId="ADAL" clId="{B1D43A75-6AD4-4167-A650-7E69F9FBF595}" dt="2023-10-16T01:48:30.980" v="636" actId="1076"/>
+          <ac:picMkLst>
+            <pc:docMk/>
+            <pc:sldMk cId="1678538564" sldId="341"/>
+            <ac:picMk id="4" creationId="{F3BA576A-037E-6236-4AA4-673AEB785794}"/>
+          </ac:picMkLst>
+        </pc:picChg>
+        <pc:picChg chg="add mod modCrop">
+          <ac:chgData name="Yoder, Jason" userId="28f4d4d8-da04-4f86-b14d-a21675737bc5" providerId="ADAL" clId="{B1D43A75-6AD4-4167-A650-7E69F9FBF595}" dt="2023-10-16T01:48:22.196" v="634" actId="732"/>
+          <ac:picMkLst>
+            <pc:docMk/>
+            <pc:sldMk cId="1678538564" sldId="341"/>
+            <ac:picMk id="6" creationId="{ABABD78C-7103-9F49-F32A-D4B0F33704E7}"/>
+          </ac:picMkLst>
+        </pc:picChg>
+      </pc:sldChg>
+      <pc:sldChg chg="mod modShow">
+        <pc:chgData name="Yoder, Jason" userId="28f4d4d8-da04-4f86-b14d-a21675737bc5" providerId="ADAL" clId="{B1D43A75-6AD4-4167-A650-7E69F9FBF595}" dt="2023-10-16T01:48:55.152" v="647" actId="729"/>
+        <pc:sldMkLst>
+          <pc:docMk/>
+          <pc:sldMk cId="1929454314" sldId="342"/>
+        </pc:sldMkLst>
+      </pc:sldChg>
+      <pc:sldChg chg="addSp delSp modSp new mod modNotesTx">
+        <pc:chgData name="Yoder, Jason" userId="28f4d4d8-da04-4f86-b14d-a21675737bc5" providerId="ADAL" clId="{B1D43A75-6AD4-4167-A650-7E69F9FBF595}" dt="2023-10-16T00:44:30.423" v="615" actId="20577"/>
+        <pc:sldMkLst>
+          <pc:docMk/>
+          <pc:sldMk cId="1452699708" sldId="343"/>
+        </pc:sldMkLst>
+        <pc:spChg chg="mod">
+          <ac:chgData name="Yoder, Jason" userId="28f4d4d8-da04-4f86-b14d-a21675737bc5" providerId="ADAL" clId="{B1D43A75-6AD4-4167-A650-7E69F9FBF595}" dt="2023-10-16T00:40:54.249" v="58" actId="1076"/>
+          <ac:spMkLst>
+            <pc:docMk/>
+            <pc:sldMk cId="1452699708" sldId="343"/>
+            <ac:spMk id="2" creationId="{FFE723EE-6F48-98D0-2E8C-6BD245FD164D}"/>
+          </ac:spMkLst>
+        </pc:spChg>
+        <pc:spChg chg="del">
+          <ac:chgData name="Yoder, Jason" userId="28f4d4d8-da04-4f86-b14d-a21675737bc5" providerId="ADAL" clId="{B1D43A75-6AD4-4167-A650-7E69F9FBF595}" dt="2023-10-16T00:38:50.598" v="13" actId="478"/>
+          <ac:spMkLst>
+            <pc:docMk/>
+            <pc:sldMk cId="1452699708" sldId="343"/>
+            <ac:spMk id="3" creationId="{ED7674DE-1DB6-B6DF-3E33-DE26E386837E}"/>
+          </ac:spMkLst>
+        </pc:spChg>
+        <pc:spChg chg="add mod">
+          <ac:chgData name="Yoder, Jason" userId="28f4d4d8-da04-4f86-b14d-a21675737bc5" providerId="ADAL" clId="{B1D43A75-6AD4-4167-A650-7E69F9FBF595}" dt="2023-10-16T00:41:26.081" v="68" actId="1076"/>
+          <ac:spMkLst>
+            <pc:docMk/>
+            <pc:sldMk cId="1452699708" sldId="343"/>
+            <ac:spMk id="7" creationId="{C1745302-9E59-0F7F-1EBB-DB688A5EF2D1}"/>
+          </ac:spMkLst>
+        </pc:spChg>
+        <pc:picChg chg="add del mod">
+          <ac:chgData name="Yoder, Jason" userId="28f4d4d8-da04-4f86-b14d-a21675737bc5" providerId="ADAL" clId="{B1D43A75-6AD4-4167-A650-7E69F9FBF595}" dt="2023-10-16T00:39:41.827" v="39" actId="478"/>
+          <ac:picMkLst>
+            <pc:docMk/>
+            <pc:sldMk cId="1452699708" sldId="343"/>
+            <ac:picMk id="5" creationId="{1B723502-DDC5-6622-34CD-47B9A34FED21}"/>
+          </ac:picMkLst>
+        </pc:picChg>
+        <pc:picChg chg="add mod">
+          <ac:chgData name="Yoder, Jason" userId="28f4d4d8-da04-4f86-b14d-a21675737bc5" providerId="ADAL" clId="{B1D43A75-6AD4-4167-A650-7E69F9FBF595}" dt="2023-10-16T00:40:55.666" v="59" actId="1076"/>
+          <ac:picMkLst>
+            <pc:docMk/>
+            <pc:sldMk cId="1452699708" sldId="343"/>
+            <ac:picMk id="9" creationId="{B9622E93-0F20-E8A0-8B98-C6D68C2B56AD}"/>
+          </ac:picMkLst>
+        </pc:picChg>
+        <pc:picChg chg="add mod">
+          <ac:chgData name="Yoder, Jason" userId="28f4d4d8-da04-4f86-b14d-a21675737bc5" providerId="ADAL" clId="{B1D43A75-6AD4-4167-A650-7E69F9FBF595}" dt="2023-10-16T00:41:15.768" v="67" actId="1076"/>
+          <ac:picMkLst>
+            <pc:docMk/>
+            <pc:sldMk cId="1452699708" sldId="343"/>
+            <ac:picMk id="11" creationId="{9AEF6851-404B-4BC1-8092-166C5B628DF5}"/>
+          </ac:picMkLst>
+        </pc:picChg>
+      </pc:sldChg>
+    </pc:docChg>
+  </pc:docChgLst>
+</pc:chgInfo>
 </file>
 
 <file path=ppt/handoutMasters/handoutMaster1.xml><?xml version="1.0" encoding="utf-8"?>
@@ -299,7 +590,7 @@
             <a:fld id="{68AFFCC9-E980-4A2E-8F84-91052C1F2C22}" type="datetime1">
               <a:rPr lang="en-US"/>
               <a:pPr/>
-              <a:t>10/12/2023</a:t>
+              <a:t>11/20/2023</a:t>
             </a:fld>
             <a:endParaRPr lang="en-US"/>
           </a:p>
@@ -528,7 +819,7 @@
             <a:fld id="{C4411CED-79EF-4046-B79B-F8927B54B6B0}" type="datetime1">
               <a:rPr lang="en-US"/>
               <a:pPr/>
-              <a:t>10/12/2023</a:t>
+              <a:t>11/20/2023</a:t>
             </a:fld>
             <a:endParaRPr lang="en-US"/>
           </a:p>
@@ -1154,7 +1445,7 @@
             <a:fld id="{43E6E5DC-7A70-4CAB-B8CA-FD7CFBA6DDCF}" type="datetime1">
               <a:rPr lang="en-US" smtClean="0"/>
               <a:pPr/>
-              <a:t>10/12/2023</a:t>
+              <a:t>11/20/2023</a:t>
             </a:fld>
             <a:endParaRPr lang="en-US"/>
           </a:p>
@@ -1327,7 +1618,7 @@
             <a:fld id="{34C58A64-F6CF-4D4F-A14E-4E9A6689521C}" type="datetime1">
               <a:rPr lang="en-US" smtClean="0"/>
               <a:pPr/>
-              <a:t>10/12/2023</a:t>
+              <a:t>11/20/2023</a:t>
             </a:fld>
             <a:endParaRPr lang="en-US"/>
           </a:p>
@@ -1510,7 +1801,7 @@
             <a:fld id="{28A961FD-7946-4EF3-8B09-2E96C5099CE1}" type="datetime1">
               <a:rPr lang="en-US" smtClean="0"/>
               <a:pPr/>
-              <a:t>10/12/2023</a:t>
+              <a:t>11/20/2023</a:t>
             </a:fld>
             <a:endParaRPr lang="en-US"/>
           </a:p>
@@ -1683,7 +1974,7 @@
             <a:fld id="{410E03A8-3A50-4824-93B1-5AB2817A85E6}" type="datetime1">
               <a:rPr lang="en-US" smtClean="0"/>
               <a:pPr/>
-              <a:t>10/12/2023</a:t>
+              <a:t>11/20/2023</a:t>
             </a:fld>
             <a:endParaRPr lang="en-US"/>
           </a:p>
@@ -1933,7 +2224,7 @@
             <a:fld id="{69EE78C3-2E3E-4EDD-A8FC-A11FEA9CDF04}" type="datetime1">
               <a:rPr lang="en-US" smtClean="0"/>
               <a:pPr/>
-              <a:t>10/12/2023</a:t>
+              <a:t>11/20/2023</a:t>
             </a:fld>
             <a:endParaRPr lang="en-US"/>
           </a:p>
@@ -2223,7 +2514,7 @@
             <a:fld id="{9CAD6738-AE48-490E-BA60-16B31C3E5798}" type="datetime1">
               <a:rPr lang="en-US" smtClean="0"/>
               <a:pPr/>
-              <a:t>10/12/2023</a:t>
+              <a:t>11/20/2023</a:t>
             </a:fld>
             <a:endParaRPr lang="en-US"/>
           </a:p>
@@ -2647,7 +2938,7 @@
             <a:fld id="{12137309-80BC-4890-B91A-AB9885E172E5}" type="datetime1">
               <a:rPr lang="en-US" smtClean="0"/>
               <a:pPr/>
-              <a:t>10/12/2023</a:t>
+              <a:t>11/20/2023</a:t>
             </a:fld>
             <a:endParaRPr lang="en-US"/>
           </a:p>
@@ -2769,7 +3060,7 @@
             <a:fld id="{79C16A63-0F78-4E9D-81E4-A84E1F25A0A3}" type="datetime1">
               <a:rPr lang="en-US" smtClean="0"/>
               <a:pPr/>
-              <a:t>10/12/2023</a:t>
+              <a:t>11/20/2023</a:t>
             </a:fld>
             <a:endParaRPr lang="en-US"/>
           </a:p>
@@ -2869,7 +3160,7 @@
             <a:fld id="{DC5FF9E9-979C-4422-A1BB-1DC64426F0DA}" type="datetime1">
               <a:rPr lang="en-US" smtClean="0"/>
               <a:pPr/>
-              <a:t>10/12/2023</a:t>
+              <a:t>11/20/2023</a:t>
             </a:fld>
             <a:endParaRPr lang="en-US"/>
           </a:p>
@@ -3149,7 +3440,7 @@
             <a:fld id="{B9B7020D-910B-4676-A902-AD52382F28B6}" type="datetime1">
               <a:rPr lang="en-US" smtClean="0"/>
               <a:pPr/>
-              <a:t>10/12/2023</a:t>
+              <a:t>11/20/2023</a:t>
             </a:fld>
             <a:endParaRPr lang="en-US"/>
           </a:p>
@@ -3406,7 +3697,7 @@
             <a:fld id="{4695FF79-924D-47D6-A727-6A03000C0C91}" type="datetime1">
               <a:rPr lang="en-US" smtClean="0"/>
               <a:pPr/>
-              <a:t>10/12/2023</a:t>
+              <a:t>11/20/2023</a:t>
             </a:fld>
             <a:endParaRPr lang="en-US"/>
           </a:p>
@@ -3622,7 +3913,7 @@
             <a:fld id="{A51E304D-C692-4D58-A925-D35D66927263}" type="datetime1">
               <a:rPr lang="en-US" smtClean="0"/>
               <a:pPr/>
-              <a:t>10/12/2023</a:t>
+              <a:t>11/20/2023</a:t>
             </a:fld>
             <a:endParaRPr lang="en-US"/>
           </a:p>
@@ -4134,7 +4425,7 @@
           <a:lstStyle/>
           <a:p>
             <a:r>
-              <a:rPr lang="en-US" sz="2400" dirty="0">
+              <a:rPr lang="en-US" sz="2400">
                 <a:solidFill>
                   <a:srgbClr val="FFFFFF"/>
                 </a:solidFill>
@@ -4142,7 +4433,7 @@
               <a:t>The </a:t>
             </a:r>
             <a:r>
-              <a:rPr lang="en-US" sz="2400" i="1" dirty="0">
+              <a:rPr lang="en-US" sz="2400" i="1">
                 <a:solidFill>
                   <a:srgbClr val="FFFFFF"/>
                 </a:solidFill>
@@ -4150,7 +4441,7 @@
               <a:t>git</a:t>
             </a:r>
             <a:r>
-              <a:rPr lang="en-US" sz="2400" dirty="0">
+              <a:rPr lang="en-US" sz="2400">
                 <a:solidFill>
                   <a:srgbClr val="FFFFFF"/>
                 </a:solidFill>
@@ -4164,10 +4455,10 @@
               <a:buChar char="•"/>
             </a:pPr>
             <a:r>
-              <a:rPr lang="en-US" sz="2400" i="1" dirty="0" err="1"/>
+              <a:rPr lang="en-US" sz="2400" i="1" err="1"/>
               <a:t>PracticeEventBasedGameLoop</a:t>
             </a:r>
-            <a:endParaRPr lang="en-US" sz="2400" i="1" dirty="0"/>
+            <a:endParaRPr lang="en-US" sz="2400" i="1"/>
           </a:p>
           <a:p>
             <a:pPr marL="342900" indent="-342900">
@@ -4175,10 +4466,10 @@
               <a:buChar char="•"/>
             </a:pPr>
             <a:r>
-              <a:rPr lang="en-US" sz="2400" i="1" dirty="0" err="1"/>
-              <a:t>PracticeSolutionEventBasedGameLoop</a:t>
-            </a:r>
-            <a:endParaRPr lang="en-US" sz="2400" i="1" dirty="0"/>
+              <a:rPr lang="en-US" sz="2400" i="1" err="1"/>
+              <a:t>PracticeEventBasedGameLoopSolution</a:t>
+            </a:r>
+            <a:endParaRPr lang="en-US" sz="2400" i="1"/>
           </a:p>
         </p:txBody>
       </p:sp>
@@ -4243,7 +4534,7 @@
                   <a:srgbClr val="FFFF00"/>
                 </a:highlight>
               </a:rPr>
-              <a:t>_________</a:t>
+              <a:t>__________</a:t>
             </a:r>
           </a:p>
         </p:txBody>
@@ -4484,47 +4775,34 @@
           <a:bodyPr/>
           <a:lstStyle/>
           <a:p>
+            <a:endParaRPr lang="en-US" sz="2000" dirty="0"/>
+          </a:p>
+          <a:p>
+            <a:endParaRPr lang="en-US" sz="2000" dirty="0"/>
+          </a:p>
+          <a:p>
             <a:r>
               <a:rPr lang="en-US" sz="2000" dirty="0"/>
-              <a:t>Winter 2022-23 Team Sheet:</a:t>
-            </a:r>
-          </a:p>
-          <a:p>
-            <a:r>
-              <a:rPr lang="en-US" sz="2000" dirty="0"/>
-              <a:t>GARP Teams</a:t>
-            </a:r>
-          </a:p>
-          <a:p>
-            <a:r>
-              <a:rPr lang="en-US" dirty="0"/>
-              <a:t>Section XX</a:t>
-            </a:r>
-          </a:p>
-          <a:p>
-            <a:endParaRPr lang="en-US" dirty="0"/>
-          </a:p>
-          <a:p>
-            <a:r>
-              <a:rPr lang="en-US" dirty="0">
-                <a:highlight>
-                  <a:srgbClr val="FFFF00"/>
-                </a:highlight>
+              <a:t>Winter 2023-24 Team Sheet:</a:t>
+            </a:r>
+          </a:p>
+          <a:p>
+            <a:endParaRPr lang="en-US" sz="2000" dirty="0"/>
+          </a:p>
+          <a:p>
+            <a:endParaRPr lang="en-US" sz="2000" dirty="0"/>
+          </a:p>
+          <a:p>
+            <a:r>
+              <a:rPr lang="en-US" sz="2000" dirty="0">
+                <a:hlinkClick r:id="rId2"/>
               </a:rPr>
-              <a:t>Add screenshots here</a:t>
-            </a:r>
-          </a:p>
-          <a:p>
-            <a:endParaRPr lang="en-US" dirty="0"/>
-          </a:p>
-          <a:p>
-            <a:endParaRPr lang="en-US" dirty="0"/>
-          </a:p>
-          <a:p>
-            <a:r>
-              <a:rPr lang="en-US" dirty="0"/>
-              <a:t>Section XX</a:t>
-            </a:r>
+              <a:t>https://docs.google.com/spreadsheets/d/1B26gr2dff9sHD9c6V-wobnzmtHhlOW47XuqyXpQ77ys/edit#gid=968264463</a:t>
+            </a:r>
+            <a:endParaRPr lang="en-US" sz="2000" dirty="0"/>
+          </a:p>
+          <a:p>
+            <a:endParaRPr lang="en-US" sz="2000" dirty="0"/>
           </a:p>
         </p:txBody>
       </p:sp>
@@ -4543,7 +4821,7 @@
           <p:nvPr/>
         </p:nvPicPr>
         <p:blipFill>
-          <a:blip r:embed="rId2"/>
+          <a:blip r:embed="rId3"/>
           <a:stretch>
             <a:fillRect/>
           </a:stretch>
@@ -4598,14 +4876,114 @@
             <p:ph type="title"/>
           </p:nvPr>
         </p:nvSpPr>
-        <p:spPr/>
+        <p:spPr>
+          <a:xfrm>
+            <a:off x="457199" y="0"/>
+            <a:ext cx="8229600" cy="782320"/>
+          </a:xfrm>
+        </p:spPr>
         <p:txBody>
           <a:bodyPr/>
           <a:lstStyle/>
           <a:p>
             <a:r>
               <a:rPr lang="en-US" dirty="0"/>
-              <a:t>Final Project Introduction -XX</a:t>
+              <a:t>Final Project Introduction - 01</a:t>
+            </a:r>
+          </a:p>
+        </p:txBody>
+      </p:sp>
+      <p:pic>
+        <p:nvPicPr>
+          <p:cNvPr id="5" name="Picture 4">
+            <a:extLst>
+              <a:ext uri="{FF2B5EF4-FFF2-40B4-BE49-F238E27FC236}">
+                <a16:creationId xmlns:a16="http://schemas.microsoft.com/office/drawing/2014/main" id="{0022762A-BDDE-B647-CFD6-5593E02D4F87}"/>
+              </a:ext>
+            </a:extLst>
+          </p:cNvPr>
+          <p:cNvPicPr>
+            <a:picLocks noChangeAspect="1"/>
+          </p:cNvPicPr>
+          <p:nvPr/>
+        </p:nvPicPr>
+        <p:blipFill>
+          <a:blip r:embed="rId2"/>
+          <a:stretch>
+            <a:fillRect/>
+          </a:stretch>
+        </p:blipFill>
+        <p:spPr>
+          <a:xfrm>
+            <a:off x="737651" y="1781127"/>
+            <a:ext cx="6592220" cy="895475"/>
+          </a:xfrm>
+          <a:prstGeom prst="rect">
+            <a:avLst/>
+          </a:prstGeom>
+        </p:spPr>
+      </p:pic>
+      <p:pic>
+        <p:nvPicPr>
+          <p:cNvPr id="8" name="Picture 7">
+            <a:extLst>
+              <a:ext uri="{FF2B5EF4-FFF2-40B4-BE49-F238E27FC236}">
+                <a16:creationId xmlns:a16="http://schemas.microsoft.com/office/drawing/2014/main" id="{87AD786A-87C7-320D-66EA-543DC234C928}"/>
+              </a:ext>
+            </a:extLst>
+          </p:cNvPr>
+          <p:cNvPicPr>
+            <a:picLocks noChangeAspect="1"/>
+          </p:cNvPicPr>
+          <p:nvPr/>
+        </p:nvPicPr>
+        <p:blipFill>
+          <a:blip r:embed="rId3"/>
+          <a:stretch>
+            <a:fillRect/>
+          </a:stretch>
+        </p:blipFill>
+        <p:spPr>
+          <a:xfrm>
+            <a:off x="737651" y="3360676"/>
+            <a:ext cx="6592220" cy="2715004"/>
+          </a:xfrm>
+          <a:prstGeom prst="rect">
+            <a:avLst/>
+          </a:prstGeom>
+        </p:spPr>
+      </p:pic>
+      <p:sp>
+        <p:nvSpPr>
+          <p:cNvPr id="9" name="TextBox 8">
+            <a:extLst>
+              <a:ext uri="{FF2B5EF4-FFF2-40B4-BE49-F238E27FC236}">
+                <a16:creationId xmlns:a16="http://schemas.microsoft.com/office/drawing/2014/main" id="{BE0445D2-2E7A-539C-203E-D59382B84534}"/>
+              </a:ext>
+            </a:extLst>
+          </p:cNvPr>
+          <p:cNvSpPr txBox="1"/>
+          <p:nvPr/>
+        </p:nvSpPr>
+        <p:spPr>
+          <a:xfrm>
+            <a:off x="970671" y="1026942"/>
+            <a:ext cx="5008098" cy="369332"/>
+          </a:xfrm>
+          <a:prstGeom prst="rect">
+            <a:avLst/>
+          </a:prstGeom>
+          <a:noFill/>
+        </p:spPr>
+        <p:txBody>
+          <a:bodyPr wrap="square" rtlCol="0">
+            <a:spAutoFit/>
+          </a:bodyPr>
+          <a:lstStyle/>
+          <a:p>
+            <a:r>
+              <a:rPr lang="en-US" dirty="0"/>
+              <a:t>Screenshots of teams formed thus far</a:t>
             </a:r>
           </a:p>
         </p:txBody>
@@ -4642,58 +5020,6 @@
       </p:grpSpPr>
       <p:sp>
         <p:nvSpPr>
-          <p:cNvPr id="2" name="Title 1"/>
-          <p:cNvSpPr>
-            <a:spLocks noGrp="1"/>
-          </p:cNvSpPr>
-          <p:nvPr>
-            <p:ph type="title"/>
-          </p:nvPr>
-        </p:nvSpPr>
-        <p:spPr/>
-        <p:txBody>
-          <a:bodyPr/>
-          <a:lstStyle/>
-          <a:p>
-            <a:r>
-              <a:rPr lang="en-US" dirty="0"/>
-              <a:t>Final Project Introduction - XX</a:t>
-            </a:r>
-          </a:p>
-        </p:txBody>
-      </p:sp>
-    </p:spTree>
-    <p:extLst>
-      <p:ext uri="{BB962C8B-B14F-4D97-AF65-F5344CB8AC3E}">
-        <p14:creationId xmlns:p14="http://schemas.microsoft.com/office/powerpoint/2010/main" val="1929454314"/>
-      </p:ext>
-    </p:extLst>
-  </p:cSld>
-  <p:clrMapOvr>
-    <a:masterClrMapping/>
-  </p:clrMapOvr>
-</p:sld>
-</file>
-
-<file path=ppt/slides/slide6.xml><?xml version="1.0" encoding="utf-8"?>
-<p:sld xmlns:a="http://schemas.openxmlformats.org/drawingml/2006/main" xmlns:r="http://schemas.openxmlformats.org/officeDocument/2006/relationships" xmlns:p="http://schemas.openxmlformats.org/presentationml/2006/main">
-  <p:cSld>
-    <p:spTree>
-      <p:nvGrpSpPr>
-        <p:cNvPr id="1" name=""/>
-        <p:cNvGrpSpPr/>
-        <p:nvPr/>
-      </p:nvGrpSpPr>
-      <p:grpSpPr>
-        <a:xfrm>
-          <a:off x="0" y="0"/>
-          <a:ext cx="0" cy="0"/>
-          <a:chOff x="0" y="0"/>
-          <a:chExt cx="0" cy="0"/>
-        </a:xfrm>
-      </p:grpSpPr>
-      <p:sp>
-        <p:nvSpPr>
           <p:cNvPr id="2" name="Title 1">
             <a:extLst>
               <a:ext uri="{FF2B5EF4-FFF2-40B4-BE49-F238E27FC236}">
@@ -4708,12 +5034,7 @@
             <p:ph type="title"/>
           </p:nvPr>
         </p:nvSpPr>
-        <p:spPr>
-          <a:xfrm>
-            <a:off x="457200" y="283782"/>
-            <a:ext cx="8229600" cy="1143000"/>
-          </a:xfrm>
-        </p:spPr>
+        <p:spPr/>
         <p:txBody>
           <a:bodyPr>
             <a:normAutofit fontScale="90000"/>
@@ -4754,7 +5075,7 @@
               <a:rPr lang="en-US" dirty="0">
                 <a:hlinkClick r:id="rId2"/>
               </a:rPr>
-              <a:t>CSSE220 Jetpack Joyride Team Project</a:t>
+              <a:t>Jetpack Joyride Game Specification</a:t>
             </a:r>
             <a:endParaRPr lang="en-US" dirty="0"/>
           </a:p>
@@ -4804,49 +5125,32 @@
       </p:sp>
       <p:pic>
         <p:nvPicPr>
-          <p:cNvPr id="1026" name="Picture 2">
+          <p:cNvPr id="8" name="Picture 7">
             <a:extLst>
               <a:ext uri="{FF2B5EF4-FFF2-40B4-BE49-F238E27FC236}">
-                <a16:creationId xmlns:a16="http://schemas.microsoft.com/office/drawing/2014/main" id="{924F3E11-B7ED-5BEE-1DEB-4A58C468EE5D}"/>
+                <a16:creationId xmlns:a16="http://schemas.microsoft.com/office/drawing/2014/main" id="{0B87344A-C2D1-FC53-E136-0EEE40F23618}"/>
               </a:ext>
             </a:extLst>
           </p:cNvPr>
           <p:cNvPicPr>
-            <a:picLocks noChangeAspect="1" noChangeArrowheads="1"/>
+            <a:picLocks noChangeAspect="1"/>
           </p:cNvPicPr>
           <p:nvPr/>
         </p:nvPicPr>
         <p:blipFill>
-          <a:blip r:embed="rId4">
-            <a:extLst>
-              <a:ext uri="{28A0092B-C50C-407E-A947-70E740481C1C}">
-                <a14:useLocalDpi xmlns:a14="http://schemas.microsoft.com/office/drawing/2010/main" val="0"/>
-              </a:ext>
-            </a:extLst>
-          </a:blip>
-          <a:srcRect/>
+          <a:blip r:embed="rId4"/>
           <a:stretch>
             <a:fillRect/>
           </a:stretch>
         </p:blipFill>
-        <p:spPr bwMode="auto">
+        <p:spPr>
           <a:xfrm>
-            <a:off x="2728913" y="2205038"/>
-            <a:ext cx="3686175" cy="2447925"/>
+            <a:off x="1907902" y="2124199"/>
+            <a:ext cx="4279538" cy="3037428"/>
           </a:xfrm>
           <a:prstGeom prst="rect">
             <a:avLst/>
           </a:prstGeom>
-          <a:noFill/>
-          <a:extLst>
-            <a:ext uri="{909E8E84-426E-40DD-AFC4-6F175D3DCCD1}">
-              <a14:hiddenFill xmlns:a14="http://schemas.microsoft.com/office/drawing/2010/main">
-                <a:solidFill>
-                  <a:srgbClr val="FFFFFF"/>
-                </a:solidFill>
-              </a14:hiddenFill>
-            </a:ext>
-          </a:extLst>
         </p:spPr>
       </p:pic>
     </p:spTree>
@@ -5711,6 +6015,15 @@
 </file>
 
 <file path=customXml/item1.xml><?xml version="1.0" encoding="utf-8"?>
+<?mso-contentType ?>
+<FormTemplates xmlns="http://schemas.microsoft.com/sharepoint/v3/contenttype/forms">
+  <Display>DocumentLibraryForm</Display>
+  <Edit>DocumentLibraryForm</Edit>
+  <New>DocumentLibraryForm</New>
+</FormTemplates>
+</file>
+
+<file path=customXml/item2.xml><?xml version="1.0" encoding="utf-8"?>
 <p:properties xmlns:p="http://schemas.microsoft.com/office/2006/metadata/properties" xmlns:xsi="http://www.w3.org/2001/XMLSchema-instance" xmlns:pc="http://schemas.microsoft.com/office/infopath/2007/PartnerControls">
   <documentManagement>
     <TaxCatchAll xmlns="820f9cb1-409d-4c4b-8197-1d4f7dd48124" xsi:nil="true"/>
@@ -5721,7 +6034,7 @@
 </p:properties>
 </file>
 
-<file path=customXml/item2.xml><?xml version="1.0" encoding="utf-8"?>
+<file path=customXml/item3.xml><?xml version="1.0" encoding="utf-8"?>
 <ct:contentTypeSchema xmlns:ct="http://schemas.microsoft.com/office/2006/metadata/contentType" xmlns:ma="http://schemas.microsoft.com/office/2006/metadata/properties/metaAttributes" ct:_="" ma:_="" ma:contentTypeName="Document" ma:contentTypeID="0x0101004285D81DBE5F5A448E892B34D6B8CF20" ma:contentTypeVersion="8" ma:contentTypeDescription="Create a new document." ma:contentTypeScope="" ma:versionID="ecce54155d2ea7caa9aed06c8b6b9867">
   <xsd:schema xmlns:xsd="http://www.w3.org/2001/XMLSchema" xmlns:xs="http://www.w3.org/2001/XMLSchema" xmlns:p="http://schemas.microsoft.com/office/2006/metadata/properties" xmlns:ns2="08600313-7276-4ca7-b5d3-7d86193ee0ac" xmlns:ns3="820f9cb1-409d-4c4b-8197-1d4f7dd48124" targetNamespace="http://schemas.microsoft.com/office/2006/metadata/properties" ma:root="true" ma:fieldsID="bfd7385540b70b2fe84ac888cc214377" ns2:_="" ns3:_="">
     <xsd:import namespace="08600313-7276-4ca7-b5d3-7d86193ee0ac"/>
@@ -5898,16 +6211,15 @@
 </ct:contentTypeSchema>
 </file>
 
-<file path=customXml/item3.xml><?xml version="1.0" encoding="utf-8"?>
-<?mso-contentType ?>
-<FormTemplates xmlns="http://schemas.microsoft.com/sharepoint/v3/contenttype/forms">
-  <Display>DocumentLibraryForm</Display>
-  <Edit>DocumentLibraryForm</Edit>
-  <New>DocumentLibraryForm</New>
-</FormTemplates>
+<file path=customXml/itemProps1.xml><?xml version="1.0" encoding="utf-8"?>
+<ds:datastoreItem xmlns:ds="http://schemas.openxmlformats.org/officeDocument/2006/customXml" ds:itemID="{2A7C915E-4009-47CE-94D4-97E75DE59B25}">
+  <ds:schemaRefs>
+    <ds:schemaRef ds:uri="http://schemas.microsoft.com/sharepoint/v3/contenttype/forms"/>
+  </ds:schemaRefs>
+</ds:datastoreItem>
 </file>
 
-<file path=customXml/itemProps1.xml><?xml version="1.0" encoding="utf-8"?>
+<file path=customXml/itemProps2.xml><?xml version="1.0" encoding="utf-8"?>
 <ds:datastoreItem xmlns:ds="http://schemas.openxmlformats.org/officeDocument/2006/customXml" ds:itemID="{5A9CC447-D9E4-472B-8F77-5984014F62A7}">
   <ds:schemaRefs>
     <ds:schemaRef ds:uri="08600313-7276-4ca7-b5d3-7d86193ee0ac"/>
@@ -5924,7 +6236,7 @@
 </ds:datastoreItem>
 </file>
 
-<file path=customXml/itemProps2.xml><?xml version="1.0" encoding="utf-8"?>
+<file path=customXml/itemProps3.xml><?xml version="1.0" encoding="utf-8"?>
 <ds:datastoreItem xmlns:ds="http://schemas.openxmlformats.org/officeDocument/2006/customXml" ds:itemID="{54EB4FC6-A2A2-40B0-A84A-BBFCE3674D6D}">
   <ds:schemaRefs>
     <ds:schemaRef ds:uri="08600313-7276-4ca7-b5d3-7d86193ee0ac"/>
@@ -5941,12 +6253,4 @@
     <ds:schemaRef ds:uri="http://www.w3.org/2001/XMLSchema"/>
   </ds:schemaRefs>
 </ds:datastoreItem>
-</file>
-
-<file path=customXml/itemProps3.xml><?xml version="1.0" encoding="utf-8"?>
-<ds:datastoreItem xmlns:ds="http://schemas.openxmlformats.org/officeDocument/2006/customXml" ds:itemID="{2A7C915E-4009-47CE-94D4-97E75DE59B25}">
-  <ds:schemaRefs>
-    <ds:schemaRef ds:uri="http://schemas.microsoft.com/sharepoint/v3/contenttype/forms"/>
-  </ds:schemaRefs>
-</ds:datastoreItem>
 </file>
--- a/ClassMaterials/EventBasedGameLoop/Slides/Part1-EventBasedGameLoop.pptx
+++ b/ClassMaterials/EventBasedGameLoop/Slides/Part1-EventBasedGameLoop.pptx
@@ -188,7 +188,7 @@
   <pc:docChgLst>
     <pc:chgData name="Yoder, Jason" userId="28f4d4d8-da04-4f86-b14d-a21675737bc5" providerId="ADAL" clId="{3739012A-FE97-4BC2-AFD7-805421498958}"/>
     <pc:docChg chg="custSel delSld modSld">
-      <pc:chgData name="Yoder, Jason" userId="28f4d4d8-da04-4f86-b14d-a21675737bc5" providerId="ADAL" clId="{3739012A-FE97-4BC2-AFD7-805421498958}" dt="2023-11-20T21:36:00.874" v="68" actId="20577"/>
+      <pc:chgData name="Yoder, Jason" userId="28f4d4d8-da04-4f86-b14d-a21675737bc5" providerId="ADAL" clId="{3739012A-FE97-4BC2-AFD7-805421498958}" dt="2023-11-21T17:26:55.396" v="106" actId="14100"/>
       <pc:docMkLst>
         <pc:docMk/>
       </pc:docMkLst>
@@ -208,17 +208,41 @@
         </pc:spChg>
       </pc:sldChg>
       <pc:sldChg chg="modSp mod">
-        <pc:chgData name="Yoder, Jason" userId="28f4d4d8-da04-4f86-b14d-a21675737bc5" providerId="ADAL" clId="{3739012A-FE97-4BC2-AFD7-805421498958}" dt="2023-11-20T21:36:00.874" v="68" actId="20577"/>
+        <pc:chgData name="Yoder, Jason" userId="28f4d4d8-da04-4f86-b14d-a21675737bc5" providerId="ADAL" clId="{3739012A-FE97-4BC2-AFD7-805421498958}" dt="2023-11-21T17:26:55.396" v="106" actId="14100"/>
         <pc:sldMkLst>
           <pc:docMk/>
           <pc:sldMk cId="0" sldId="340"/>
         </pc:sldMkLst>
+        <pc:spChg chg="mod">
+          <ac:chgData name="Yoder, Jason" userId="28f4d4d8-da04-4f86-b14d-a21675737bc5" providerId="ADAL" clId="{3739012A-FE97-4BC2-AFD7-805421498958}" dt="2023-11-21T17:26:48.428" v="103" actId="1076"/>
+          <ac:spMkLst>
+            <pc:docMk/>
+            <pc:sldMk cId="0" sldId="340"/>
+            <ac:spMk id="2" creationId="{00000000-0000-0000-0000-000000000000}"/>
+          </ac:spMkLst>
+        </pc:spChg>
         <pc:spChg chg="mod">
           <ac:chgData name="Yoder, Jason" userId="28f4d4d8-da04-4f86-b14d-a21675737bc5" providerId="ADAL" clId="{3739012A-FE97-4BC2-AFD7-805421498958}" dt="2023-11-20T21:36:00.874" v="68" actId="20577"/>
           <ac:spMkLst>
             <pc:docMk/>
             <pc:sldMk cId="0" sldId="340"/>
             <ac:spMk id="3" creationId="{9323CFD7-713B-3BB9-5F0C-C365F6EA59C3}"/>
+          </ac:spMkLst>
+        </pc:spChg>
+        <pc:spChg chg="mod">
+          <ac:chgData name="Yoder, Jason" userId="28f4d4d8-da04-4f86-b14d-a21675737bc5" providerId="ADAL" clId="{3739012A-FE97-4BC2-AFD7-805421498958}" dt="2023-11-21T17:26:55.396" v="106" actId="14100"/>
+          <ac:spMkLst>
+            <pc:docMk/>
+            <pc:sldMk cId="0" sldId="340"/>
+            <ac:spMk id="5" creationId="{F87E60BA-5DEC-1B43-BB52-2CE03C09390A}"/>
+          </ac:spMkLst>
+        </pc:spChg>
+        <pc:spChg chg="mod">
+          <ac:chgData name="Yoder, Jason" userId="28f4d4d8-da04-4f86-b14d-a21675737bc5" providerId="ADAL" clId="{3739012A-FE97-4BC2-AFD7-805421498958}" dt="2023-11-21T17:26:48.428" v="103" actId="1076"/>
+          <ac:spMkLst>
+            <pc:docMk/>
+            <pc:sldMk cId="0" sldId="340"/>
+            <ac:spMk id="15363" creationId="{00000000-0000-0000-0000-000000000000}"/>
           </ac:spMkLst>
         </pc:spChg>
       </pc:sldChg>
@@ -590,7 +614,7 @@
             <a:fld id="{68AFFCC9-E980-4A2E-8F84-91052C1F2C22}" type="datetime1">
               <a:rPr lang="en-US"/>
               <a:pPr/>
-              <a:t>11/20/2023</a:t>
+              <a:t>11/21/2023</a:t>
             </a:fld>
             <a:endParaRPr lang="en-US"/>
           </a:p>
@@ -819,7 +843,7 @@
             <a:fld id="{C4411CED-79EF-4046-B79B-F8927B54B6B0}" type="datetime1">
               <a:rPr lang="en-US"/>
               <a:pPr/>
-              <a:t>11/20/2023</a:t>
+              <a:t>11/21/2023</a:t>
             </a:fld>
             <a:endParaRPr lang="en-US"/>
           </a:p>
@@ -1222,7 +1246,7 @@
                 <a:spcPct val="0"/>
               </a:spcBef>
             </a:pPr>
-            <a:endParaRPr lang="en-US"/>
+            <a:endParaRPr lang="en-US" dirty="0"/>
           </a:p>
         </p:txBody>
       </p:sp>
@@ -1445,7 +1469,7 @@
             <a:fld id="{43E6E5DC-7A70-4CAB-B8CA-FD7CFBA6DDCF}" type="datetime1">
               <a:rPr lang="en-US" smtClean="0"/>
               <a:pPr/>
-              <a:t>11/20/2023</a:t>
+              <a:t>11/21/2023</a:t>
             </a:fld>
             <a:endParaRPr lang="en-US"/>
           </a:p>
@@ -1618,7 +1642,7 @@
             <a:fld id="{34C58A64-F6CF-4D4F-A14E-4E9A6689521C}" type="datetime1">
               <a:rPr lang="en-US" smtClean="0"/>
               <a:pPr/>
-              <a:t>11/20/2023</a:t>
+              <a:t>11/21/2023</a:t>
             </a:fld>
             <a:endParaRPr lang="en-US"/>
           </a:p>
@@ -1801,7 +1825,7 @@
             <a:fld id="{28A961FD-7946-4EF3-8B09-2E96C5099CE1}" type="datetime1">
               <a:rPr lang="en-US" smtClean="0"/>
               <a:pPr/>
-              <a:t>11/20/2023</a:t>
+              <a:t>11/21/2023</a:t>
             </a:fld>
             <a:endParaRPr lang="en-US"/>
           </a:p>
@@ -1974,7 +1998,7 @@
             <a:fld id="{410E03A8-3A50-4824-93B1-5AB2817A85E6}" type="datetime1">
               <a:rPr lang="en-US" smtClean="0"/>
               <a:pPr/>
-              <a:t>11/20/2023</a:t>
+              <a:t>11/21/2023</a:t>
             </a:fld>
             <a:endParaRPr lang="en-US"/>
           </a:p>
@@ -2224,7 +2248,7 @@
             <a:fld id="{69EE78C3-2E3E-4EDD-A8FC-A11FEA9CDF04}" type="datetime1">
               <a:rPr lang="en-US" smtClean="0"/>
               <a:pPr/>
-              <a:t>11/20/2023</a:t>
+              <a:t>11/21/2023</a:t>
             </a:fld>
             <a:endParaRPr lang="en-US"/>
           </a:p>
@@ -2514,7 +2538,7 @@
             <a:fld id="{9CAD6738-AE48-490E-BA60-16B31C3E5798}" type="datetime1">
               <a:rPr lang="en-US" smtClean="0"/>
               <a:pPr/>
-              <a:t>11/20/2023</a:t>
+              <a:t>11/21/2023</a:t>
             </a:fld>
             <a:endParaRPr lang="en-US"/>
           </a:p>
@@ -2938,7 +2962,7 @@
             <a:fld id="{12137309-80BC-4890-B91A-AB9885E172E5}" type="datetime1">
               <a:rPr lang="en-US" smtClean="0"/>
               <a:pPr/>
-              <a:t>11/20/2023</a:t>
+              <a:t>11/21/2023</a:t>
             </a:fld>
             <a:endParaRPr lang="en-US"/>
           </a:p>
@@ -3060,7 +3084,7 @@
             <a:fld id="{79C16A63-0F78-4E9D-81E4-A84E1F25A0A3}" type="datetime1">
               <a:rPr lang="en-US" smtClean="0"/>
               <a:pPr/>
-              <a:t>11/20/2023</a:t>
+              <a:t>11/21/2023</a:t>
             </a:fld>
             <a:endParaRPr lang="en-US"/>
           </a:p>
@@ -3160,7 +3184,7 @@
             <a:fld id="{DC5FF9E9-979C-4422-A1BB-1DC64426F0DA}" type="datetime1">
               <a:rPr lang="en-US" smtClean="0"/>
               <a:pPr/>
-              <a:t>11/20/2023</a:t>
+              <a:t>11/21/2023</a:t>
             </a:fld>
             <a:endParaRPr lang="en-US"/>
           </a:p>
@@ -3440,7 +3464,7 @@
             <a:fld id="{B9B7020D-910B-4676-A902-AD52382F28B6}" type="datetime1">
               <a:rPr lang="en-US" smtClean="0"/>
               <a:pPr/>
-              <a:t>11/20/2023</a:t>
+              <a:t>11/21/2023</a:t>
             </a:fld>
             <a:endParaRPr lang="en-US"/>
           </a:p>
@@ -3697,7 +3721,7 @@
             <a:fld id="{4695FF79-924D-47D6-A727-6A03000C0C91}" type="datetime1">
               <a:rPr lang="en-US" smtClean="0"/>
               <a:pPr/>
-              <a:t>11/20/2023</a:t>
+              <a:t>11/21/2023</a:t>
             </a:fld>
             <a:endParaRPr lang="en-US"/>
           </a:p>
@@ -3913,7 +3937,7 @@
             <a:fld id="{A51E304D-C692-4D58-A925-D35D66927263}" type="datetime1">
               <a:rPr lang="en-US" smtClean="0"/>
               <a:pPr/>
-              <a:t>11/20/2023</a:t>
+              <a:t>11/21/2023</a:t>
             </a:fld>
             <a:endParaRPr lang="en-US"/>
           </a:p>
@@ -4302,7 +4326,12 @@
             <p:ph type="ctrTitle"/>
           </p:nvPr>
         </p:nvSpPr>
-        <p:spPr/>
+        <p:spPr>
+          <a:xfrm>
+            <a:off x="685800" y="1433168"/>
+            <a:ext cx="7772400" cy="1470025"/>
+          </a:xfrm>
+        </p:spPr>
         <p:txBody>
           <a:bodyPr/>
           <a:lstStyle/>
@@ -4331,7 +4360,12 @@
             <p:ph type="subTitle" idx="1"/>
           </p:nvPr>
         </p:nvSpPr>
-        <p:spPr/>
+        <p:spPr>
+          <a:xfrm>
+            <a:off x="1371600" y="3188943"/>
+            <a:ext cx="6400800" cy="1752600"/>
+          </a:xfrm>
+        </p:spPr>
         <p:txBody>
           <a:bodyPr>
             <a:normAutofit/>
@@ -4344,7 +4378,7 @@
               </a:lnSpc>
             </a:pPr>
             <a:r>
-              <a:rPr lang="en-US" sz="2500"/>
+              <a:rPr lang="en-US" sz="2500" dirty="0"/>
               <a:t>Main Game Loop with Timers </a:t>
             </a:r>
           </a:p>
@@ -4355,7 +4389,7 @@
               </a:lnSpc>
             </a:pPr>
             <a:r>
-              <a:rPr lang="en-US" sz="2500"/>
+              <a:rPr lang="en-US" sz="2500" dirty="0"/>
               <a:t>File IO</a:t>
             </a:r>
           </a:p>
@@ -4366,7 +4400,7 @@
               </a:lnSpc>
             </a:pPr>
             <a:r>
-              <a:rPr lang="en-US" sz="2500"/>
+              <a:rPr lang="en-US" sz="2500" dirty="0"/>
               <a:t>Exception Introduction</a:t>
             </a:r>
           </a:p>
@@ -4376,7 +4410,7 @@
                 <a:spcPct val="90000"/>
               </a:lnSpc>
             </a:pPr>
-            <a:endParaRPr lang="en-US" sz="2500"/>
+            <a:endParaRPr lang="en-US" sz="2500" dirty="0"/>
           </a:p>
         </p:txBody>
       </p:sp>
@@ -4394,8 +4428,8 @@
         </p:nvSpPr>
         <p:spPr>
           <a:xfrm>
-            <a:off x="381000" y="5207003"/>
-            <a:ext cx="8534400" cy="1295400"/>
+            <a:off x="381000" y="4725242"/>
+            <a:ext cx="8534400" cy="1904157"/>
           </a:xfrm>
           <a:prstGeom prst="rect">
             <a:avLst/>
@@ -4425,7 +4459,7 @@
           <a:lstStyle/>
           <a:p>
             <a:r>
-              <a:rPr lang="en-US" sz="2400">
+              <a:rPr lang="en-US" sz="2400" dirty="0">
                 <a:solidFill>
                   <a:srgbClr val="FFFFFF"/>
                 </a:solidFill>
@@ -4433,7 +4467,7 @@
               <a:t>The </a:t>
             </a:r>
             <a:r>
-              <a:rPr lang="en-US" sz="2400" i="1">
+              <a:rPr lang="en-US" sz="2400" i="1" dirty="0">
                 <a:solidFill>
                   <a:srgbClr val="FFFFFF"/>
                 </a:solidFill>
@@ -4441,7 +4475,7 @@
               <a:t>git</a:t>
             </a:r>
             <a:r>
-              <a:rPr lang="en-US" sz="2400">
+              <a:rPr lang="en-US" sz="2400" dirty="0">
                 <a:solidFill>
                   <a:srgbClr val="FFFFFF"/>
                 </a:solidFill>
@@ -4455,10 +4489,10 @@
               <a:buChar char="•"/>
             </a:pPr>
             <a:r>
-              <a:rPr lang="en-US" sz="2400" i="1" err="1"/>
+              <a:rPr lang="en-US" sz="2400" i="1" dirty="0" err="1"/>
               <a:t>PracticeEventBasedGameLoop</a:t>
             </a:r>
-            <a:endParaRPr lang="en-US" sz="2400" i="1"/>
+            <a:endParaRPr lang="en-US" sz="2400" i="1" dirty="0"/>
           </a:p>
           <a:p>
             <a:pPr marL="342900" indent="-342900">
@@ -4466,10 +4500,47 @@
               <a:buChar char="•"/>
             </a:pPr>
             <a:r>
-              <a:rPr lang="en-US" sz="2400" i="1" err="1"/>
+              <a:rPr lang="en-US" sz="2400" i="1" dirty="0" err="1"/>
               <a:t>PracticeEventBasedGameLoopSolution</a:t>
             </a:r>
-            <a:endParaRPr lang="en-US" sz="2400" i="1"/>
+            <a:endParaRPr lang="en-US" sz="2400" i="1" dirty="0"/>
+          </a:p>
+          <a:p>
+            <a:r>
+              <a:rPr lang="en-US" sz="2400" dirty="0">
+                <a:solidFill>
+                  <a:srgbClr val="FFFFFF"/>
+                </a:solidFill>
+              </a:rPr>
+              <a:t>The </a:t>
+            </a:r>
+            <a:r>
+              <a:rPr lang="en-US" sz="2400" i="1" dirty="0">
+                <a:solidFill>
+                  <a:srgbClr val="FFFFFF"/>
+                </a:solidFill>
+              </a:rPr>
+              <a:t>Quiz</a:t>
+            </a:r>
+            <a:r>
+              <a:rPr lang="en-US" sz="2400" dirty="0">
+                <a:solidFill>
+                  <a:srgbClr val="FFFFFF"/>
+                </a:solidFill>
+              </a:rPr>
+              <a:t> for today is:</a:t>
+            </a:r>
+          </a:p>
+          <a:p>
+            <a:pPr marL="342900" indent="-342900">
+              <a:buFont typeface="Arial" panose="020B0604020202020204" pitchFamily="34" charset="0"/>
+              <a:buChar char="•"/>
+            </a:pPr>
+            <a:r>
+              <a:rPr lang="en-US" sz="2400" i="1" dirty="0" err="1"/>
+              <a:t>EventBasedGameLoopQuiz</a:t>
+            </a:r>
+            <a:endParaRPr lang="en-US" sz="2400" i="1" dirty="0"/>
           </a:p>
         </p:txBody>
       </p:sp>
@@ -6015,26 +6086,6 @@
 </file>
 
 <file path=customXml/item1.xml><?xml version="1.0" encoding="utf-8"?>
-<?mso-contentType ?>
-<FormTemplates xmlns="http://schemas.microsoft.com/sharepoint/v3/contenttype/forms">
-  <Display>DocumentLibraryForm</Display>
-  <Edit>DocumentLibraryForm</Edit>
-  <New>DocumentLibraryForm</New>
-</FormTemplates>
-</file>
-
-<file path=customXml/item2.xml><?xml version="1.0" encoding="utf-8"?>
-<p:properties xmlns:p="http://schemas.microsoft.com/office/2006/metadata/properties" xmlns:xsi="http://www.w3.org/2001/XMLSchema-instance" xmlns:pc="http://schemas.microsoft.com/office/infopath/2007/PartnerControls">
-  <documentManagement>
-    <TaxCatchAll xmlns="820f9cb1-409d-4c4b-8197-1d4f7dd48124" xsi:nil="true"/>
-    <lcf76f155ced4ddcb4097134ff3c332f xmlns="08600313-7276-4ca7-b5d3-7d86193ee0ac">
-      <Terms xmlns="http://schemas.microsoft.com/office/infopath/2007/PartnerControls"/>
-    </lcf76f155ced4ddcb4097134ff3c332f>
-  </documentManagement>
-</p:properties>
-</file>
-
-<file path=customXml/item3.xml><?xml version="1.0" encoding="utf-8"?>
 <ct:contentTypeSchema xmlns:ct="http://schemas.microsoft.com/office/2006/metadata/contentType" xmlns:ma="http://schemas.microsoft.com/office/2006/metadata/properties/metaAttributes" ct:_="" ma:_="" ma:contentTypeName="Document" ma:contentTypeID="0x0101004285D81DBE5F5A448E892B34D6B8CF20" ma:contentTypeVersion="8" ma:contentTypeDescription="Create a new document." ma:contentTypeScope="" ma:versionID="ecce54155d2ea7caa9aed06c8b6b9867">
   <xsd:schema xmlns:xsd="http://www.w3.org/2001/XMLSchema" xmlns:xs="http://www.w3.org/2001/XMLSchema" xmlns:p="http://schemas.microsoft.com/office/2006/metadata/properties" xmlns:ns2="08600313-7276-4ca7-b5d3-7d86193ee0ac" xmlns:ns3="820f9cb1-409d-4c4b-8197-1d4f7dd48124" targetNamespace="http://schemas.microsoft.com/office/2006/metadata/properties" ma:root="true" ma:fieldsID="bfd7385540b70b2fe84ac888cc214377" ns2:_="" ns3:_="">
     <xsd:import namespace="08600313-7276-4ca7-b5d3-7d86193ee0ac"/>
@@ -6211,10 +6262,41 @@
 </ct:contentTypeSchema>
 </file>
 
+<file path=customXml/item2.xml><?xml version="1.0" encoding="utf-8"?>
+<p:properties xmlns:p="http://schemas.microsoft.com/office/2006/metadata/properties" xmlns:xsi="http://www.w3.org/2001/XMLSchema-instance" xmlns:pc="http://schemas.microsoft.com/office/infopath/2007/PartnerControls">
+  <documentManagement>
+    <TaxCatchAll xmlns="820f9cb1-409d-4c4b-8197-1d4f7dd48124" xsi:nil="true"/>
+    <lcf76f155ced4ddcb4097134ff3c332f xmlns="08600313-7276-4ca7-b5d3-7d86193ee0ac">
+      <Terms xmlns="http://schemas.microsoft.com/office/infopath/2007/PartnerControls"/>
+    </lcf76f155ced4ddcb4097134ff3c332f>
+  </documentManagement>
+</p:properties>
+</file>
+
+<file path=customXml/item3.xml><?xml version="1.0" encoding="utf-8"?>
+<?mso-contentType ?>
+<FormTemplates xmlns="http://schemas.microsoft.com/sharepoint/v3/contenttype/forms">
+  <Display>DocumentLibraryForm</Display>
+  <Edit>DocumentLibraryForm</Edit>
+  <New>DocumentLibraryForm</New>
+</FormTemplates>
+</file>
+
 <file path=customXml/itemProps1.xml><?xml version="1.0" encoding="utf-8"?>
-<ds:datastoreItem xmlns:ds="http://schemas.openxmlformats.org/officeDocument/2006/customXml" ds:itemID="{2A7C915E-4009-47CE-94D4-97E75DE59B25}">
+<ds:datastoreItem xmlns:ds="http://schemas.openxmlformats.org/officeDocument/2006/customXml" ds:itemID="{54EB4FC6-A2A2-40B0-A84A-BBFCE3674D6D}">
   <ds:schemaRefs>
-    <ds:schemaRef ds:uri="http://schemas.microsoft.com/sharepoint/v3/contenttype/forms"/>
+    <ds:schemaRef ds:uri="08600313-7276-4ca7-b5d3-7d86193ee0ac"/>
+    <ds:schemaRef ds:uri="820f9cb1-409d-4c4b-8197-1d4f7dd48124"/>
+    <ds:schemaRef ds:uri="http://purl.org/dc/elements/1.1/"/>
+    <ds:schemaRef ds:uri="http://purl.org/dc/terms/"/>
+    <ds:schemaRef ds:uri="http://schemas.microsoft.com/internal/obd"/>
+    <ds:schemaRef ds:uri="http://schemas.microsoft.com/office/2006/documentManagement/types"/>
+    <ds:schemaRef ds:uri="http://schemas.microsoft.com/office/2006/metadata/contentType"/>
+    <ds:schemaRef ds:uri="http://schemas.microsoft.com/office/2006/metadata/properties"/>
+    <ds:schemaRef ds:uri="http://schemas.microsoft.com/office/2006/metadata/properties/metaAttributes"/>
+    <ds:schemaRef ds:uri="http://schemas.microsoft.com/office/infopath/2007/PartnerControls"/>
+    <ds:schemaRef ds:uri="http://schemas.openxmlformats.org/package/2006/metadata/core-properties"/>
+    <ds:schemaRef ds:uri="http://www.w3.org/2001/XMLSchema"/>
   </ds:schemaRefs>
 </ds:datastoreItem>
 </file>
@@ -6237,20 +6319,9 @@
 </file>
 
 <file path=customXml/itemProps3.xml><?xml version="1.0" encoding="utf-8"?>
-<ds:datastoreItem xmlns:ds="http://schemas.openxmlformats.org/officeDocument/2006/customXml" ds:itemID="{54EB4FC6-A2A2-40B0-A84A-BBFCE3674D6D}">
+<ds:datastoreItem xmlns:ds="http://schemas.openxmlformats.org/officeDocument/2006/customXml" ds:itemID="{2A7C915E-4009-47CE-94D4-97E75DE59B25}">
   <ds:schemaRefs>
-    <ds:schemaRef ds:uri="08600313-7276-4ca7-b5d3-7d86193ee0ac"/>
-    <ds:schemaRef ds:uri="820f9cb1-409d-4c4b-8197-1d4f7dd48124"/>
-    <ds:schemaRef ds:uri="http://purl.org/dc/elements/1.1/"/>
-    <ds:schemaRef ds:uri="http://purl.org/dc/terms/"/>
-    <ds:schemaRef ds:uri="http://schemas.microsoft.com/internal/obd"/>
-    <ds:schemaRef ds:uri="http://schemas.microsoft.com/office/2006/documentManagement/types"/>
-    <ds:schemaRef ds:uri="http://schemas.microsoft.com/office/2006/metadata/contentType"/>
-    <ds:schemaRef ds:uri="http://schemas.microsoft.com/office/2006/metadata/properties"/>
-    <ds:schemaRef ds:uri="http://schemas.microsoft.com/office/2006/metadata/properties/metaAttributes"/>
-    <ds:schemaRef ds:uri="http://schemas.microsoft.com/office/infopath/2007/PartnerControls"/>
-    <ds:schemaRef ds:uri="http://schemas.openxmlformats.org/package/2006/metadata/core-properties"/>
-    <ds:schemaRef ds:uri="http://www.w3.org/2001/XMLSchema"/>
+    <ds:schemaRef ds:uri="http://schemas.microsoft.com/sharepoint/v3/contenttype/forms"/>
   </ds:schemaRefs>
 </ds:datastoreItem>
 </file>
--- a/ClassMaterials/EventBasedGameLoop/Slides/Part1-EventBasedGameLoop.pptx
+++ b/ClassMaterials/EventBasedGameLoop/Slides/Part1-EventBasedGameLoop.pptx
@@ -5,17 +5,21 @@
     <p:sldMasterId id="2147484629" r:id="rId4"/>
   </p:sldMasterIdLst>
   <p:notesMasterIdLst>
-    <p:notesMasterId r:id="rId10"/>
+    <p:notesMasterId r:id="rId14"/>
   </p:notesMasterIdLst>
   <p:handoutMasterIdLst>
-    <p:handoutMasterId r:id="rId11"/>
+    <p:handoutMasterId r:id="rId15"/>
   </p:handoutMasterIdLst>
   <p:sldIdLst>
     <p:sldId id="340" r:id="rId5"/>
     <p:sldId id="296" r:id="rId6"/>
     <p:sldId id="304" r:id="rId7"/>
     <p:sldId id="341" r:id="rId8"/>
-    <p:sldId id="336" r:id="rId9"/>
+    <p:sldId id="342" r:id="rId9"/>
+    <p:sldId id="343" r:id="rId10"/>
+    <p:sldId id="336" r:id="rId11"/>
+    <p:sldId id="345" r:id="rId12"/>
+    <p:sldId id="344" r:id="rId13"/>
   </p:sldIdLst>
   <p:sldSz cx="9144000" cy="6858000" type="screen4x3"/>
   <p:notesSz cx="6881813" cy="9296400"/>
@@ -614,7 +618,7 @@
             <a:fld id="{68AFFCC9-E980-4A2E-8F84-91052C1F2C22}" type="datetime1">
               <a:rPr lang="en-US"/>
               <a:pPr/>
-              <a:t>11/21/2023</a:t>
+              <a:t>2/25/2024</a:t>
             </a:fld>
             <a:endParaRPr lang="en-US"/>
           </a:p>
@@ -843,7 +847,7 @@
             <a:fld id="{C4411CED-79EF-4046-B79B-F8927B54B6B0}" type="datetime1">
               <a:rPr lang="en-US"/>
               <a:pPr/>
-              <a:t>11/21/2023</a:t>
+              <a:t>2/25/2024</a:t>
             </a:fld>
             <a:endParaRPr lang="en-US"/>
           </a:p>
@@ -1469,7 +1473,7 @@
             <a:fld id="{43E6E5DC-7A70-4CAB-B8CA-FD7CFBA6DDCF}" type="datetime1">
               <a:rPr lang="en-US" smtClean="0"/>
               <a:pPr/>
-              <a:t>11/21/2023</a:t>
+              <a:t>2/25/2024</a:t>
             </a:fld>
             <a:endParaRPr lang="en-US"/>
           </a:p>
@@ -1642,7 +1646,7 @@
             <a:fld id="{34C58A64-F6CF-4D4F-A14E-4E9A6689521C}" type="datetime1">
               <a:rPr lang="en-US" smtClean="0"/>
               <a:pPr/>
-              <a:t>11/21/2023</a:t>
+              <a:t>2/25/2024</a:t>
             </a:fld>
             <a:endParaRPr lang="en-US"/>
           </a:p>
@@ -1825,7 +1829,7 @@
             <a:fld id="{28A961FD-7946-4EF3-8B09-2E96C5099CE1}" type="datetime1">
               <a:rPr lang="en-US" smtClean="0"/>
               <a:pPr/>
-              <a:t>11/21/2023</a:t>
+              <a:t>2/25/2024</a:t>
             </a:fld>
             <a:endParaRPr lang="en-US"/>
           </a:p>
@@ -1998,7 +2002,7 @@
             <a:fld id="{410E03A8-3A50-4824-93B1-5AB2817A85E6}" type="datetime1">
               <a:rPr lang="en-US" smtClean="0"/>
               <a:pPr/>
-              <a:t>11/21/2023</a:t>
+              <a:t>2/25/2024</a:t>
             </a:fld>
             <a:endParaRPr lang="en-US"/>
           </a:p>
@@ -2248,7 +2252,7 @@
             <a:fld id="{69EE78C3-2E3E-4EDD-A8FC-A11FEA9CDF04}" type="datetime1">
               <a:rPr lang="en-US" smtClean="0"/>
               <a:pPr/>
-              <a:t>11/21/2023</a:t>
+              <a:t>2/25/2024</a:t>
             </a:fld>
             <a:endParaRPr lang="en-US"/>
           </a:p>
@@ -2538,7 +2542,7 @@
             <a:fld id="{9CAD6738-AE48-490E-BA60-16B31C3E5798}" type="datetime1">
               <a:rPr lang="en-US" smtClean="0"/>
               <a:pPr/>
-              <a:t>11/21/2023</a:t>
+              <a:t>2/25/2024</a:t>
             </a:fld>
             <a:endParaRPr lang="en-US"/>
           </a:p>
@@ -2962,7 +2966,7 @@
             <a:fld id="{12137309-80BC-4890-B91A-AB9885E172E5}" type="datetime1">
               <a:rPr lang="en-US" smtClean="0"/>
               <a:pPr/>
-              <a:t>11/21/2023</a:t>
+              <a:t>2/25/2024</a:t>
             </a:fld>
             <a:endParaRPr lang="en-US"/>
           </a:p>
@@ -3084,7 +3088,7 @@
             <a:fld id="{79C16A63-0F78-4E9D-81E4-A84E1F25A0A3}" type="datetime1">
               <a:rPr lang="en-US" smtClean="0"/>
               <a:pPr/>
-              <a:t>11/21/2023</a:t>
+              <a:t>2/25/2024</a:t>
             </a:fld>
             <a:endParaRPr lang="en-US"/>
           </a:p>
@@ -3184,7 +3188,7 @@
             <a:fld id="{DC5FF9E9-979C-4422-A1BB-1DC64426F0DA}" type="datetime1">
               <a:rPr lang="en-US" smtClean="0"/>
               <a:pPr/>
-              <a:t>11/21/2023</a:t>
+              <a:t>2/25/2024</a:t>
             </a:fld>
             <a:endParaRPr lang="en-US"/>
           </a:p>
@@ -3464,7 +3468,7 @@
             <a:fld id="{B9B7020D-910B-4676-A902-AD52382F28B6}" type="datetime1">
               <a:rPr lang="en-US" smtClean="0"/>
               <a:pPr/>
-              <a:t>11/21/2023</a:t>
+              <a:t>2/25/2024</a:t>
             </a:fld>
             <a:endParaRPr lang="en-US"/>
           </a:p>
@@ -3721,7 +3725,7 @@
             <a:fld id="{4695FF79-924D-47D6-A727-6A03000C0C91}" type="datetime1">
               <a:rPr lang="en-US" smtClean="0"/>
               <a:pPr/>
-              <a:t>11/21/2023</a:t>
+              <a:t>2/25/2024</a:t>
             </a:fld>
             <a:endParaRPr lang="en-US"/>
           </a:p>
@@ -3937,7 +3941,7 @@
             <a:fld id="{A51E304D-C692-4D58-A925-D35D66927263}" type="datetime1">
               <a:rPr lang="en-US" smtClean="0"/>
               <a:pPr/>
-              <a:t>11/21/2023</a:t>
+              <a:t>2/25/2024</a:t>
             </a:fld>
             <a:endParaRPr lang="en-US"/>
           </a:p>
@@ -4605,7 +4609,7 @@
                   <a:srgbClr val="FFFF00"/>
                 </a:highlight>
               </a:rPr>
-              <a:t>__________</a:t>
+              <a:t>____________</a:t>
             </a:r>
           </a:p>
         </p:txBody>
@@ -4854,7 +4858,7 @@
           <a:p>
             <a:r>
               <a:rPr lang="en-US" sz="2000" dirty="0"/>
-              <a:t>Winter 2023-24 Team Sheet:</a:t>
+              <a:t>Spring 24 Team Sheet:</a:t>
             </a:r>
           </a:p>
           <a:p>
@@ -4921,7 +4925,7 @@
 </file>
 
 <file path=ppt/slides/slide4.xml><?xml version="1.0" encoding="utf-8"?>
-<p:sld xmlns:a="http://schemas.openxmlformats.org/drawingml/2006/main" xmlns:r="http://schemas.openxmlformats.org/officeDocument/2006/relationships" xmlns:p="http://schemas.openxmlformats.org/presentationml/2006/main">
+<p:sld xmlns:a="http://schemas.openxmlformats.org/drawingml/2006/main" xmlns:r="http://schemas.openxmlformats.org/officeDocument/2006/relationships" xmlns:p="http://schemas.openxmlformats.org/presentationml/2006/main" show="0">
   <p:cSld>
     <p:spTree>
       <p:nvGrpSpPr>
@@ -4964,101 +4968,6 @@
           </a:p>
         </p:txBody>
       </p:sp>
-      <p:pic>
-        <p:nvPicPr>
-          <p:cNvPr id="5" name="Picture 4">
-            <a:extLst>
-              <a:ext uri="{FF2B5EF4-FFF2-40B4-BE49-F238E27FC236}">
-                <a16:creationId xmlns:a16="http://schemas.microsoft.com/office/drawing/2014/main" id="{0022762A-BDDE-B647-CFD6-5593E02D4F87}"/>
-              </a:ext>
-            </a:extLst>
-          </p:cNvPr>
-          <p:cNvPicPr>
-            <a:picLocks noChangeAspect="1"/>
-          </p:cNvPicPr>
-          <p:nvPr/>
-        </p:nvPicPr>
-        <p:blipFill>
-          <a:blip r:embed="rId2"/>
-          <a:stretch>
-            <a:fillRect/>
-          </a:stretch>
-        </p:blipFill>
-        <p:spPr>
-          <a:xfrm>
-            <a:off x="737651" y="1781127"/>
-            <a:ext cx="6592220" cy="895475"/>
-          </a:xfrm>
-          <a:prstGeom prst="rect">
-            <a:avLst/>
-          </a:prstGeom>
-        </p:spPr>
-      </p:pic>
-      <p:pic>
-        <p:nvPicPr>
-          <p:cNvPr id="8" name="Picture 7">
-            <a:extLst>
-              <a:ext uri="{FF2B5EF4-FFF2-40B4-BE49-F238E27FC236}">
-                <a16:creationId xmlns:a16="http://schemas.microsoft.com/office/drawing/2014/main" id="{87AD786A-87C7-320D-66EA-543DC234C928}"/>
-              </a:ext>
-            </a:extLst>
-          </p:cNvPr>
-          <p:cNvPicPr>
-            <a:picLocks noChangeAspect="1"/>
-          </p:cNvPicPr>
-          <p:nvPr/>
-        </p:nvPicPr>
-        <p:blipFill>
-          <a:blip r:embed="rId3"/>
-          <a:stretch>
-            <a:fillRect/>
-          </a:stretch>
-        </p:blipFill>
-        <p:spPr>
-          <a:xfrm>
-            <a:off x="737651" y="3360676"/>
-            <a:ext cx="6592220" cy="2715004"/>
-          </a:xfrm>
-          <a:prstGeom prst="rect">
-            <a:avLst/>
-          </a:prstGeom>
-        </p:spPr>
-      </p:pic>
-      <p:sp>
-        <p:nvSpPr>
-          <p:cNvPr id="9" name="TextBox 8">
-            <a:extLst>
-              <a:ext uri="{FF2B5EF4-FFF2-40B4-BE49-F238E27FC236}">
-                <a16:creationId xmlns:a16="http://schemas.microsoft.com/office/drawing/2014/main" id="{BE0445D2-2E7A-539C-203E-D59382B84534}"/>
-              </a:ext>
-            </a:extLst>
-          </p:cNvPr>
-          <p:cNvSpPr txBox="1"/>
-          <p:nvPr/>
-        </p:nvSpPr>
-        <p:spPr>
-          <a:xfrm>
-            <a:off x="970671" y="1026942"/>
-            <a:ext cx="5008098" cy="369332"/>
-          </a:xfrm>
-          <a:prstGeom prst="rect">
-            <a:avLst/>
-          </a:prstGeom>
-          <a:noFill/>
-        </p:spPr>
-        <p:txBody>
-          <a:bodyPr wrap="square" rtlCol="0">
-            <a:spAutoFit/>
-          </a:bodyPr>
-          <a:lstStyle/>
-          <a:p>
-            <a:r>
-              <a:rPr lang="en-US" dirty="0"/>
-              <a:t>Screenshots of teams formed thus far</a:t>
-            </a:r>
-          </a:p>
-        </p:txBody>
-      </p:sp>
     </p:spTree>
     <p:extLst>
       <p:ext uri="{BB962C8B-B14F-4D97-AF65-F5344CB8AC3E}">
@@ -5073,6 +4982,132 @@
 </file>
 
 <file path=ppt/slides/slide5.xml><?xml version="1.0" encoding="utf-8"?>
+<p:sld xmlns:a="http://schemas.openxmlformats.org/drawingml/2006/main" xmlns:r="http://schemas.openxmlformats.org/officeDocument/2006/relationships" xmlns:p="http://schemas.openxmlformats.org/presentationml/2006/main" show="0">
+  <p:cSld>
+    <p:spTree>
+      <p:nvGrpSpPr>
+        <p:cNvPr id="1" name=""/>
+        <p:cNvGrpSpPr/>
+        <p:nvPr/>
+      </p:nvGrpSpPr>
+      <p:grpSpPr>
+        <a:xfrm>
+          <a:off x="0" y="0"/>
+          <a:ext cx="0" cy="0"/>
+          <a:chOff x="0" y="0"/>
+          <a:chExt cx="0" cy="0"/>
+        </a:xfrm>
+      </p:grpSpPr>
+      <p:sp>
+        <p:nvSpPr>
+          <p:cNvPr id="2" name="Title 1"/>
+          <p:cNvSpPr>
+            <a:spLocks noGrp="1"/>
+          </p:cNvSpPr>
+          <p:nvPr>
+            <p:ph type="title"/>
+          </p:nvPr>
+        </p:nvSpPr>
+        <p:spPr>
+          <a:xfrm>
+            <a:off x="457199" y="0"/>
+            <a:ext cx="8229600" cy="782320"/>
+          </a:xfrm>
+        </p:spPr>
+        <p:txBody>
+          <a:bodyPr/>
+          <a:lstStyle/>
+          <a:p>
+            <a:r>
+              <a:rPr lang="en-US" dirty="0"/>
+              <a:t>Final Project Introduction - 02</a:t>
+            </a:r>
+          </a:p>
+        </p:txBody>
+      </p:sp>
+    </p:spTree>
+    <p:extLst>
+      <p:ext uri="{BB962C8B-B14F-4D97-AF65-F5344CB8AC3E}">
+        <p14:creationId xmlns:p14="http://schemas.microsoft.com/office/powerpoint/2010/main" val="542567056"/>
+      </p:ext>
+    </p:extLst>
+  </p:cSld>
+  <p:clrMapOvr>
+    <a:masterClrMapping/>
+  </p:clrMapOvr>
+</p:sld>
+</file>
+
+<file path=ppt/slides/slide6.xml><?xml version="1.0" encoding="utf-8"?>
+<p:sld xmlns:a="http://schemas.openxmlformats.org/drawingml/2006/main" xmlns:r="http://schemas.openxmlformats.org/officeDocument/2006/relationships" xmlns:p="http://schemas.openxmlformats.org/presentationml/2006/main" show="0">
+  <p:cSld>
+    <p:spTree>
+      <p:nvGrpSpPr>
+        <p:cNvPr id="1" name="">
+          <a:extLst>
+            <a:ext uri="{FF2B5EF4-FFF2-40B4-BE49-F238E27FC236}">
+              <a16:creationId xmlns:a16="http://schemas.microsoft.com/office/drawing/2014/main" id="{3BA00FB1-6EF1-2542-4E10-6931AEC844B1}"/>
+            </a:ext>
+          </a:extLst>
+        </p:cNvPr>
+        <p:cNvGrpSpPr/>
+        <p:nvPr/>
+      </p:nvGrpSpPr>
+      <p:grpSpPr>
+        <a:xfrm>
+          <a:off x="0" y="0"/>
+          <a:ext cx="0" cy="0"/>
+          <a:chOff x="0" y="0"/>
+          <a:chExt cx="0" cy="0"/>
+        </a:xfrm>
+      </p:grpSpPr>
+      <p:sp>
+        <p:nvSpPr>
+          <p:cNvPr id="2" name="Title 1">
+            <a:extLst>
+              <a:ext uri="{FF2B5EF4-FFF2-40B4-BE49-F238E27FC236}">
+                <a16:creationId xmlns:a16="http://schemas.microsoft.com/office/drawing/2014/main" id="{D04CB90B-7D1D-8E47-6C81-BDAEF400982D}"/>
+              </a:ext>
+            </a:extLst>
+          </p:cNvPr>
+          <p:cNvSpPr>
+            <a:spLocks noGrp="1"/>
+          </p:cNvSpPr>
+          <p:nvPr>
+            <p:ph type="title"/>
+          </p:nvPr>
+        </p:nvSpPr>
+        <p:spPr>
+          <a:xfrm>
+            <a:off x="457199" y="0"/>
+            <a:ext cx="8229600" cy="782320"/>
+          </a:xfrm>
+        </p:spPr>
+        <p:txBody>
+          <a:bodyPr/>
+          <a:lstStyle/>
+          <a:p>
+            <a:r>
+              <a:rPr lang="en-US" dirty="0"/>
+              <a:t>Final Project Introduction - 03</a:t>
+            </a:r>
+          </a:p>
+        </p:txBody>
+      </p:sp>
+    </p:spTree>
+    <p:extLst>
+      <p:ext uri="{BB962C8B-B14F-4D97-AF65-F5344CB8AC3E}">
+        <p14:creationId xmlns:p14="http://schemas.microsoft.com/office/powerpoint/2010/main" val="2373562427"/>
+      </p:ext>
+    </p:extLst>
+  </p:cSld>
+  <p:clrMapOvr>
+    <a:masterClrMapping/>
+  </p:clrMapOvr>
+</p:sld>
+</file>
+
+<file path=ppt/slides/slide7.xml><?xml version="1.0" encoding="utf-8"?>
 <p:sld xmlns:a="http://schemas.openxmlformats.org/drawingml/2006/main" xmlns:r="http://schemas.openxmlformats.org/officeDocument/2006/relationships" xmlns:p="http://schemas.openxmlformats.org/presentationml/2006/main">
   <p:cSld>
     <p:spTree>
@@ -5228,6 +5263,208 @@
     <p:extLst>
       <p:ext uri="{BB962C8B-B14F-4D97-AF65-F5344CB8AC3E}">
         <p14:creationId xmlns:p14="http://schemas.microsoft.com/office/powerpoint/2010/main" val="2808992108"/>
+      </p:ext>
+    </p:extLst>
+  </p:cSld>
+  <p:clrMapOvr>
+    <a:masterClrMapping/>
+  </p:clrMapOvr>
+</p:sld>
+</file>
+
+<file path=ppt/slides/slide8.xml><?xml version="1.0" encoding="utf-8"?>
+<p:sld xmlns:a="http://schemas.openxmlformats.org/drawingml/2006/main" xmlns:r="http://schemas.openxmlformats.org/officeDocument/2006/relationships" xmlns:p="http://schemas.openxmlformats.org/presentationml/2006/main">
+  <p:cSld>
+    <p:spTree>
+      <p:nvGrpSpPr>
+        <p:cNvPr id="1" name=""/>
+        <p:cNvGrpSpPr/>
+        <p:nvPr/>
+      </p:nvGrpSpPr>
+      <p:grpSpPr>
+        <a:xfrm>
+          <a:off x="0" y="0"/>
+          <a:ext cx="0" cy="0"/>
+          <a:chOff x="0" y="0"/>
+          <a:chExt cx="0" cy="0"/>
+        </a:xfrm>
+      </p:grpSpPr>
+      <p:sp>
+        <p:nvSpPr>
+          <p:cNvPr id="5" name="TextBox 4">
+            <a:extLst>
+              <a:ext uri="{FF2B5EF4-FFF2-40B4-BE49-F238E27FC236}">
+                <a16:creationId xmlns:a16="http://schemas.microsoft.com/office/drawing/2014/main" id="{5984159E-3042-D814-0683-4FC07015CDE2}"/>
+              </a:ext>
+            </a:extLst>
+          </p:cNvPr>
+          <p:cNvSpPr txBox="1"/>
+          <p:nvPr/>
+        </p:nvSpPr>
+        <p:spPr>
+          <a:xfrm>
+            <a:off x="2286000" y="6119614"/>
+            <a:ext cx="4572000" cy="646331"/>
+          </a:xfrm>
+          <a:prstGeom prst="rect">
+            <a:avLst/>
+          </a:prstGeom>
+          <a:noFill/>
+        </p:spPr>
+        <p:txBody>
+          <a:bodyPr wrap="square">
+            <a:spAutoFit/>
+          </a:bodyPr>
+          <a:lstStyle/>
+          <a:p>
+            <a:r>
+              <a:rPr lang="en-US" dirty="0">
+                <a:hlinkClick r:id="rId2"/>
+              </a:rPr>
+              <a:t>https://youtu.be/NVFNg7ysCgg</a:t>
+            </a:r>
+            <a:endParaRPr lang="en-US" dirty="0"/>
+          </a:p>
+          <a:p>
+            <a:endParaRPr lang="en-US" dirty="0"/>
+          </a:p>
+        </p:txBody>
+      </p:sp>
+      <p:pic>
+        <p:nvPicPr>
+          <p:cNvPr id="9" name="Picture 8">
+            <a:extLst>
+              <a:ext uri="{FF2B5EF4-FFF2-40B4-BE49-F238E27FC236}">
+                <a16:creationId xmlns:a16="http://schemas.microsoft.com/office/drawing/2014/main" id="{1EAC2628-2699-3B0A-47B8-14312FBC283D}"/>
+              </a:ext>
+            </a:extLst>
+          </p:cNvPr>
+          <p:cNvPicPr>
+            <a:picLocks noChangeAspect="1"/>
+          </p:cNvPicPr>
+          <p:nvPr/>
+        </p:nvPicPr>
+        <p:blipFill>
+          <a:blip r:embed="rId3"/>
+          <a:stretch>
+            <a:fillRect/>
+          </a:stretch>
+        </p:blipFill>
+        <p:spPr>
+          <a:xfrm>
+            <a:off x="1318758" y="355861"/>
+            <a:ext cx="6506483" cy="5353797"/>
+          </a:xfrm>
+          <a:prstGeom prst="rect">
+            <a:avLst/>
+          </a:prstGeom>
+        </p:spPr>
+      </p:pic>
+    </p:spTree>
+    <p:extLst>
+      <p:ext uri="{BB962C8B-B14F-4D97-AF65-F5344CB8AC3E}">
+        <p14:creationId xmlns:p14="http://schemas.microsoft.com/office/powerpoint/2010/main" val="2188168420"/>
+      </p:ext>
+    </p:extLst>
+  </p:cSld>
+  <p:clrMapOvr>
+    <a:masterClrMapping/>
+  </p:clrMapOvr>
+</p:sld>
+</file>
+
+<file path=ppt/slides/slide9.xml><?xml version="1.0" encoding="utf-8"?>
+<p:sld xmlns:a="http://schemas.openxmlformats.org/drawingml/2006/main" xmlns:r="http://schemas.openxmlformats.org/officeDocument/2006/relationships" xmlns:p="http://schemas.openxmlformats.org/presentationml/2006/main">
+  <p:cSld>
+    <p:spTree>
+      <p:nvGrpSpPr>
+        <p:cNvPr id="1" name=""/>
+        <p:cNvGrpSpPr/>
+        <p:nvPr/>
+      </p:nvGrpSpPr>
+      <p:grpSpPr>
+        <a:xfrm>
+          <a:off x="0" y="0"/>
+          <a:ext cx="0" cy="0"/>
+          <a:chOff x="0" y="0"/>
+          <a:chExt cx="0" cy="0"/>
+        </a:xfrm>
+      </p:grpSpPr>
+      <p:sp>
+        <p:nvSpPr>
+          <p:cNvPr id="6" name="TextBox 5">
+            <a:extLst>
+              <a:ext uri="{FF2B5EF4-FFF2-40B4-BE49-F238E27FC236}">
+                <a16:creationId xmlns:a16="http://schemas.microsoft.com/office/drawing/2014/main" id="{3A6C104F-316F-2306-8A21-8AB8C284F87E}"/>
+              </a:ext>
+            </a:extLst>
+          </p:cNvPr>
+          <p:cNvSpPr txBox="1"/>
+          <p:nvPr/>
+        </p:nvSpPr>
+        <p:spPr>
+          <a:xfrm>
+            <a:off x="2519680" y="5798234"/>
+            <a:ext cx="4572000" cy="646331"/>
+          </a:xfrm>
+          <a:prstGeom prst="rect">
+            <a:avLst/>
+          </a:prstGeom>
+          <a:noFill/>
+        </p:spPr>
+        <p:txBody>
+          <a:bodyPr wrap="square">
+            <a:spAutoFit/>
+          </a:bodyPr>
+          <a:lstStyle/>
+          <a:p>
+            <a:r>
+              <a:rPr lang="en-US" dirty="0">
+                <a:hlinkClick r:id="rId2"/>
+              </a:rPr>
+              <a:t>https://youtu.be/_777kvznYCA</a:t>
+            </a:r>
+            <a:endParaRPr lang="en-US" dirty="0"/>
+          </a:p>
+          <a:p>
+            <a:endParaRPr lang="en-US" dirty="0"/>
+          </a:p>
+        </p:txBody>
+      </p:sp>
+      <p:pic>
+        <p:nvPicPr>
+          <p:cNvPr id="11" name="Picture 10">
+            <a:extLst>
+              <a:ext uri="{FF2B5EF4-FFF2-40B4-BE49-F238E27FC236}">
+                <a16:creationId xmlns:a16="http://schemas.microsoft.com/office/drawing/2014/main" id="{EC8935AC-E691-CEFB-B8DB-AB324127959F}"/>
+              </a:ext>
+            </a:extLst>
+          </p:cNvPr>
+          <p:cNvPicPr>
+            <a:picLocks noChangeAspect="1"/>
+          </p:cNvPicPr>
+          <p:nvPr/>
+        </p:nvPicPr>
+        <p:blipFill>
+          <a:blip r:embed="rId3"/>
+          <a:stretch>
+            <a:fillRect/>
+          </a:stretch>
+        </p:blipFill>
+        <p:spPr>
+          <a:xfrm>
+            <a:off x="825945" y="133609"/>
+            <a:ext cx="7268589" cy="5391902"/>
+          </a:xfrm>
+          <a:prstGeom prst="rect">
+            <a:avLst/>
+          </a:prstGeom>
+        </p:spPr>
+      </p:pic>
+    </p:spTree>
+    <p:extLst>
+      <p:ext uri="{BB962C8B-B14F-4D97-AF65-F5344CB8AC3E}">
+        <p14:creationId xmlns:p14="http://schemas.microsoft.com/office/powerpoint/2010/main" val="2021323704"/>
       </p:ext>
     </p:extLst>
   </p:cSld>

--- a/ClassMaterials/EventBasedGameLoop/Slides/Part1-EventBasedGameLoop.pptx
+++ b/ClassMaterials/EventBasedGameLoop/Slides/Part1-EventBasedGameLoop.pptx
@@ -618,7 +618,7 @@
             <a:fld id="{68AFFCC9-E980-4A2E-8F84-91052C1F2C22}" type="datetime1">
               <a:rPr lang="en-US"/>
               <a:pPr/>
-              <a:t>2/25/2024</a:t>
+              <a:t>4/21/2025</a:t>
             </a:fld>
             <a:endParaRPr lang="en-US"/>
           </a:p>
@@ -847,7 +847,7 @@
             <a:fld id="{C4411CED-79EF-4046-B79B-F8927B54B6B0}" type="datetime1">
               <a:rPr lang="en-US"/>
               <a:pPr/>
-              <a:t>2/25/2024</a:t>
+              <a:t>4/21/2025</a:t>
             </a:fld>
             <a:endParaRPr lang="en-US"/>
           </a:p>
@@ -1473,7 +1473,7 @@
             <a:fld id="{43E6E5DC-7A70-4CAB-B8CA-FD7CFBA6DDCF}" type="datetime1">
               <a:rPr lang="en-US" smtClean="0"/>
               <a:pPr/>
-              <a:t>2/25/2024</a:t>
+              <a:t>4/21/2025</a:t>
             </a:fld>
             <a:endParaRPr lang="en-US"/>
           </a:p>
@@ -1646,7 +1646,7 @@
             <a:fld id="{34C58A64-F6CF-4D4F-A14E-4E9A6689521C}" type="datetime1">
               <a:rPr lang="en-US" smtClean="0"/>
               <a:pPr/>
-              <a:t>2/25/2024</a:t>
+              <a:t>4/21/2025</a:t>
             </a:fld>
             <a:endParaRPr lang="en-US"/>
           </a:p>
@@ -1829,7 +1829,7 @@
             <a:fld id="{28A961FD-7946-4EF3-8B09-2E96C5099CE1}" type="datetime1">
               <a:rPr lang="en-US" smtClean="0"/>
               <a:pPr/>
-              <a:t>2/25/2024</a:t>
+              <a:t>4/21/2025</a:t>
             </a:fld>
             <a:endParaRPr lang="en-US"/>
           </a:p>
@@ -2002,7 +2002,7 @@
             <a:fld id="{410E03A8-3A50-4824-93B1-5AB2817A85E6}" type="datetime1">
               <a:rPr lang="en-US" smtClean="0"/>
               <a:pPr/>
-              <a:t>2/25/2024</a:t>
+              <a:t>4/21/2025</a:t>
             </a:fld>
             <a:endParaRPr lang="en-US"/>
           </a:p>
@@ -2252,7 +2252,7 @@
             <a:fld id="{69EE78C3-2E3E-4EDD-A8FC-A11FEA9CDF04}" type="datetime1">
               <a:rPr lang="en-US" smtClean="0"/>
               <a:pPr/>
-              <a:t>2/25/2024</a:t>
+              <a:t>4/21/2025</a:t>
             </a:fld>
             <a:endParaRPr lang="en-US"/>
           </a:p>
@@ -2542,7 +2542,7 @@
             <a:fld id="{9CAD6738-AE48-490E-BA60-16B31C3E5798}" type="datetime1">
               <a:rPr lang="en-US" smtClean="0"/>
               <a:pPr/>
-              <a:t>2/25/2024</a:t>
+              <a:t>4/21/2025</a:t>
             </a:fld>
             <a:endParaRPr lang="en-US"/>
           </a:p>
@@ -2966,7 +2966,7 @@
             <a:fld id="{12137309-80BC-4890-B91A-AB9885E172E5}" type="datetime1">
               <a:rPr lang="en-US" smtClean="0"/>
               <a:pPr/>
-              <a:t>2/25/2024</a:t>
+              <a:t>4/21/2025</a:t>
             </a:fld>
             <a:endParaRPr lang="en-US"/>
           </a:p>
@@ -3088,7 +3088,7 @@
             <a:fld id="{79C16A63-0F78-4E9D-81E4-A84E1F25A0A3}" type="datetime1">
               <a:rPr lang="en-US" smtClean="0"/>
               <a:pPr/>
-              <a:t>2/25/2024</a:t>
+              <a:t>4/21/2025</a:t>
             </a:fld>
             <a:endParaRPr lang="en-US"/>
           </a:p>
@@ -3188,7 +3188,7 @@
             <a:fld id="{DC5FF9E9-979C-4422-A1BB-1DC64426F0DA}" type="datetime1">
               <a:rPr lang="en-US" smtClean="0"/>
               <a:pPr/>
-              <a:t>2/25/2024</a:t>
+              <a:t>4/21/2025</a:t>
             </a:fld>
             <a:endParaRPr lang="en-US"/>
           </a:p>
@@ -3468,7 +3468,7 @@
             <a:fld id="{B9B7020D-910B-4676-A902-AD52382F28B6}" type="datetime1">
               <a:rPr lang="en-US" smtClean="0"/>
               <a:pPr/>
-              <a:t>2/25/2024</a:t>
+              <a:t>4/21/2025</a:t>
             </a:fld>
             <a:endParaRPr lang="en-US"/>
           </a:p>
@@ -3725,7 +3725,7 @@
             <a:fld id="{4695FF79-924D-47D6-A727-6A03000C0C91}" type="datetime1">
               <a:rPr lang="en-US" smtClean="0"/>
               <a:pPr/>
-              <a:t>2/25/2024</a:t>
+              <a:t>4/21/2025</a:t>
             </a:fld>
             <a:endParaRPr lang="en-US"/>
           </a:p>
@@ -3941,7 +3941,7 @@
             <a:fld id="{A51E304D-C692-4D58-A925-D35D66927263}" type="datetime1">
               <a:rPr lang="en-US" smtClean="0"/>
               <a:pPr/>
-              <a:t>2/25/2024</a:t>
+              <a:t>4/21/2025</a:t>
             </a:fld>
             <a:endParaRPr lang="en-US"/>
           </a:p>
@@ -4548,72 +4548,6 @@
           </a:p>
         </p:txBody>
       </p:sp>
-      <p:sp>
-        <p:nvSpPr>
-          <p:cNvPr id="3" name="TextBox 2">
-            <a:extLst>
-              <a:ext uri="{FF2B5EF4-FFF2-40B4-BE49-F238E27FC236}">
-                <a16:creationId xmlns:a16="http://schemas.microsoft.com/office/drawing/2014/main" id="{9323CFD7-713B-3BB9-5F0C-C365F6EA59C3}"/>
-              </a:ext>
-            </a:extLst>
-          </p:cNvPr>
-          <p:cNvSpPr txBox="1"/>
-          <p:nvPr/>
-        </p:nvSpPr>
-        <p:spPr>
-          <a:xfrm>
-            <a:off x="3581400" y="-40807"/>
-            <a:ext cx="5334001" cy="1046440"/>
-          </a:xfrm>
-          <a:prstGeom prst="rect">
-            <a:avLst/>
-          </a:prstGeom>
-          <a:noFill/>
-          <a:ln w="12700" cap="flat">
-            <a:noFill/>
-            <a:miter lim="400000"/>
-          </a:ln>
-          <a:effectLst/>
-        </p:spPr>
-        <p:style>
-          <a:lnRef idx="0">
-            <a:scrgbClr r="0" g="0" b="0"/>
-          </a:lnRef>
-          <a:fillRef idx="0">
-            <a:scrgbClr r="0" g="0" b="0"/>
-          </a:fillRef>
-          <a:effectRef idx="0">
-            <a:scrgbClr r="0" g="0" b="0"/>
-          </a:effectRef>
-          <a:fontRef idx="none"/>
-        </p:style>
-        <p:txBody>
-          <a:bodyPr wrap="square">
-            <a:spAutoFit/>
-          </a:bodyPr>
-          <a:lstStyle/>
-          <a:p>
-            <a:r>
-              <a:rPr lang="en-US" dirty="0">
-                <a:highlight>
-                  <a:srgbClr val="FFFF00"/>
-                </a:highlight>
-              </a:rPr>
-              <a:t>Today’s Attendance password</a:t>
-            </a:r>
-          </a:p>
-          <a:p>
-            <a:r>
-              <a:rPr lang="en-US" sz="4400" dirty="0">
-                <a:highlight>
-                  <a:srgbClr val="FFFF00"/>
-                </a:highlight>
-              </a:rPr>
-              <a:t>____________</a:t>
-            </a:r>
-          </a:p>
-        </p:txBody>
-      </p:sp>
       <p:pic>
         <p:nvPicPr>
           <p:cNvPr id="4" name="Picture 3">
@@ -4644,6 +4578,69 @@
           </a:prstGeom>
         </p:spPr>
       </p:pic>
+      <p:sp>
+        <p:nvSpPr>
+          <p:cNvPr id="6" name="Shape 54">
+            <a:extLst>
+              <a:ext uri="{FF2B5EF4-FFF2-40B4-BE49-F238E27FC236}">
+                <a16:creationId xmlns:a16="http://schemas.microsoft.com/office/drawing/2014/main" id="{62837D75-1A94-944D-39AC-6FD692005EFA}"/>
+              </a:ext>
+            </a:extLst>
+          </p:cNvPr>
+          <p:cNvSpPr/>
+          <p:nvPr/>
+        </p:nvSpPr>
+        <p:spPr>
+          <a:xfrm>
+            <a:off x="5539154" y="209686"/>
+            <a:ext cx="3346430" cy="738664"/>
+          </a:xfrm>
+          <a:prstGeom prst="rect">
+            <a:avLst/>
+          </a:prstGeom>
+          <a:solidFill>
+            <a:srgbClr val="9BBB59"/>
+          </a:solidFill>
+          <a:ln w="25400" cap="rnd">
+            <a:solidFill>
+              <a:srgbClr val="718841"/>
+            </a:solidFill>
+          </a:ln>
+          <a:extLst>
+            <a:ext uri="{C572A759-6A51-4108-AA02-DFA0A04FC94B}">
+              <ma14:wrappingTextBoxFlag xmlns:ma14="http://schemas.microsoft.com/office/mac/drawingml/2011/main" xmlns="" val="1"/>
+            </a:ext>
+          </a:extLst>
+        </p:spPr>
+        <p:txBody>
+          <a:bodyPr wrap="square" lIns="0" tIns="0" rIns="0" bIns="0">
+            <a:spAutoFit/>
+          </a:bodyPr>
+          <a:lstStyle/>
+          <a:p>
+            <a:pPr lvl="0"/>
+            <a:r>
+              <a:rPr lang="en-US" sz="2400" i="1" dirty="0">
+                <a:solidFill>
+                  <a:srgbClr val="FFFFFF"/>
+                </a:solidFill>
+              </a:rPr>
+              <a:t> Attendance password    </a:t>
+            </a:r>
+          </a:p>
+          <a:p>
+            <a:pPr lvl="0"/>
+            <a:r>
+              <a:rPr lang="en-US" sz="2400" i="1" dirty="0">
+                <a:solidFill>
+                  <a:srgbClr val="FFFFFF"/>
+                </a:solidFill>
+              </a:rPr>
+              <a:t> is written on the board</a:t>
+            </a:r>
+          </a:p>
+        </p:txBody>
+      </p:sp>
     </p:spTree>
   </p:cSld>
   <p:clrMapOvr>
@@ -6323,6 +6320,26 @@
 </file>
 
 <file path=customXml/item1.xml><?xml version="1.0" encoding="utf-8"?>
+<?mso-contentType ?>
+<FormTemplates xmlns="http://schemas.microsoft.com/sharepoint/v3/contenttype/forms">
+  <Display>DocumentLibraryForm</Display>
+  <Edit>DocumentLibraryForm</Edit>
+  <New>DocumentLibraryForm</New>
+</FormTemplates>
+</file>
+
+<file path=customXml/item2.xml><?xml version="1.0" encoding="utf-8"?>
+<p:properties xmlns:p="http://schemas.microsoft.com/office/2006/metadata/properties" xmlns:xsi="http://www.w3.org/2001/XMLSchema-instance" xmlns:pc="http://schemas.microsoft.com/office/infopath/2007/PartnerControls">
+  <documentManagement>
+    <TaxCatchAll xmlns="820f9cb1-409d-4c4b-8197-1d4f7dd48124" xsi:nil="true"/>
+    <lcf76f155ced4ddcb4097134ff3c332f xmlns="08600313-7276-4ca7-b5d3-7d86193ee0ac">
+      <Terms xmlns="http://schemas.microsoft.com/office/infopath/2007/PartnerControls"/>
+    </lcf76f155ced4ddcb4097134ff3c332f>
+  </documentManagement>
+</p:properties>
+</file>
+
+<file path=customXml/item3.xml><?xml version="1.0" encoding="utf-8"?>
 <ct:contentTypeSchema xmlns:ct="http://schemas.microsoft.com/office/2006/metadata/contentType" xmlns:ma="http://schemas.microsoft.com/office/2006/metadata/properties/metaAttributes" ct:_="" ma:_="" ma:contentTypeName="Document" ma:contentTypeID="0x0101004285D81DBE5F5A448E892B34D6B8CF20" ma:contentTypeVersion="8" ma:contentTypeDescription="Create a new document." ma:contentTypeScope="" ma:versionID="ecce54155d2ea7caa9aed06c8b6b9867">
   <xsd:schema xmlns:xsd="http://www.w3.org/2001/XMLSchema" xmlns:xs="http://www.w3.org/2001/XMLSchema" xmlns:p="http://schemas.microsoft.com/office/2006/metadata/properties" xmlns:ns2="08600313-7276-4ca7-b5d3-7d86193ee0ac" xmlns:ns3="820f9cb1-409d-4c4b-8197-1d4f7dd48124" targetNamespace="http://schemas.microsoft.com/office/2006/metadata/properties" ma:root="true" ma:fieldsID="bfd7385540b70b2fe84ac888cc214377" ns2:_="" ns3:_="">
     <xsd:import namespace="08600313-7276-4ca7-b5d3-7d86193ee0ac"/>
@@ -6499,41 +6516,10 @@
 </ct:contentTypeSchema>
 </file>
 
-<file path=customXml/item2.xml><?xml version="1.0" encoding="utf-8"?>
-<p:properties xmlns:p="http://schemas.microsoft.com/office/2006/metadata/properties" xmlns:xsi="http://www.w3.org/2001/XMLSchema-instance" xmlns:pc="http://schemas.microsoft.com/office/infopath/2007/PartnerControls">
-  <documentManagement>
-    <TaxCatchAll xmlns="820f9cb1-409d-4c4b-8197-1d4f7dd48124" xsi:nil="true"/>
-    <lcf76f155ced4ddcb4097134ff3c332f xmlns="08600313-7276-4ca7-b5d3-7d86193ee0ac">
-      <Terms xmlns="http://schemas.microsoft.com/office/infopath/2007/PartnerControls"/>
-    </lcf76f155ced4ddcb4097134ff3c332f>
-  </documentManagement>
-</p:properties>
-</file>
-
-<file path=customXml/item3.xml><?xml version="1.0" encoding="utf-8"?>
-<?mso-contentType ?>
-<FormTemplates xmlns="http://schemas.microsoft.com/sharepoint/v3/contenttype/forms">
-  <Display>DocumentLibraryForm</Display>
-  <Edit>DocumentLibraryForm</Edit>
-  <New>DocumentLibraryForm</New>
-</FormTemplates>
-</file>
-
 <file path=customXml/itemProps1.xml><?xml version="1.0" encoding="utf-8"?>
-<ds:datastoreItem xmlns:ds="http://schemas.openxmlformats.org/officeDocument/2006/customXml" ds:itemID="{54EB4FC6-A2A2-40B0-A84A-BBFCE3674D6D}">
+<ds:datastoreItem xmlns:ds="http://schemas.openxmlformats.org/officeDocument/2006/customXml" ds:itemID="{2A7C915E-4009-47CE-94D4-97E75DE59B25}">
   <ds:schemaRefs>
-    <ds:schemaRef ds:uri="08600313-7276-4ca7-b5d3-7d86193ee0ac"/>
-    <ds:schemaRef ds:uri="820f9cb1-409d-4c4b-8197-1d4f7dd48124"/>
-    <ds:schemaRef ds:uri="http://purl.org/dc/elements/1.1/"/>
-    <ds:schemaRef ds:uri="http://purl.org/dc/terms/"/>
-    <ds:schemaRef ds:uri="http://schemas.microsoft.com/internal/obd"/>
-    <ds:schemaRef ds:uri="http://schemas.microsoft.com/office/2006/documentManagement/types"/>
-    <ds:schemaRef ds:uri="http://schemas.microsoft.com/office/2006/metadata/contentType"/>
-    <ds:schemaRef ds:uri="http://schemas.microsoft.com/office/2006/metadata/properties"/>
-    <ds:schemaRef ds:uri="http://schemas.microsoft.com/office/2006/metadata/properties/metaAttributes"/>
-    <ds:schemaRef ds:uri="http://schemas.microsoft.com/office/infopath/2007/PartnerControls"/>
-    <ds:schemaRef ds:uri="http://schemas.openxmlformats.org/package/2006/metadata/core-properties"/>
-    <ds:schemaRef ds:uri="http://www.w3.org/2001/XMLSchema"/>
+    <ds:schemaRef ds:uri="http://schemas.microsoft.com/sharepoint/v3/contenttype/forms"/>
   </ds:schemaRefs>
 </ds:datastoreItem>
 </file>
@@ -6556,9 +6542,20 @@
 </file>
 
 <file path=customXml/itemProps3.xml><?xml version="1.0" encoding="utf-8"?>
-<ds:datastoreItem xmlns:ds="http://schemas.openxmlformats.org/officeDocument/2006/customXml" ds:itemID="{2A7C915E-4009-47CE-94D4-97E75DE59B25}">
+<ds:datastoreItem xmlns:ds="http://schemas.openxmlformats.org/officeDocument/2006/customXml" ds:itemID="{54EB4FC6-A2A2-40B0-A84A-BBFCE3674D6D}">
   <ds:schemaRefs>
-    <ds:schemaRef ds:uri="http://schemas.microsoft.com/sharepoint/v3/contenttype/forms"/>
+    <ds:schemaRef ds:uri="08600313-7276-4ca7-b5d3-7d86193ee0ac"/>
+    <ds:schemaRef ds:uri="820f9cb1-409d-4c4b-8197-1d4f7dd48124"/>
+    <ds:schemaRef ds:uri="http://purl.org/dc/elements/1.1/"/>
+    <ds:schemaRef ds:uri="http://purl.org/dc/terms/"/>
+    <ds:schemaRef ds:uri="http://schemas.microsoft.com/internal/obd"/>
+    <ds:schemaRef ds:uri="http://schemas.microsoft.com/office/2006/documentManagement/types"/>
+    <ds:schemaRef ds:uri="http://schemas.microsoft.com/office/2006/metadata/contentType"/>
+    <ds:schemaRef ds:uri="http://schemas.microsoft.com/office/2006/metadata/properties"/>
+    <ds:schemaRef ds:uri="http://schemas.microsoft.com/office/2006/metadata/properties/metaAttributes"/>
+    <ds:schemaRef ds:uri="http://schemas.microsoft.com/office/infopath/2007/PartnerControls"/>
+    <ds:schemaRef ds:uri="http://schemas.openxmlformats.org/package/2006/metadata/core-properties"/>
+    <ds:schemaRef ds:uri="http://www.w3.org/2001/XMLSchema"/>
   </ds:schemaRefs>
 </ds:datastoreItem>
 </file>
--- a/ClassMaterials/EventBasedGameLoop/Slides/Part1-EventBasedGameLoop.pptx
+++ b/ClassMaterials/EventBasedGameLoop/Slides/Part1-EventBasedGameLoop.pptx
@@ -618,7 +618,7 @@
             <a:fld id="{68AFFCC9-E980-4A2E-8F84-91052C1F2C22}" type="datetime1">
               <a:rPr lang="en-US"/>
               <a:pPr/>
-              <a:t>4/21/2025</a:t>
+              <a:t>4/28/2025</a:t>
             </a:fld>
             <a:endParaRPr lang="en-US"/>
           </a:p>
@@ -847,7 +847,7 @@
             <a:fld id="{C4411CED-79EF-4046-B79B-F8927B54B6B0}" type="datetime1">
               <a:rPr lang="en-US"/>
               <a:pPr/>
-              <a:t>4/21/2025</a:t>
+              <a:t>4/28/2025</a:t>
             </a:fld>
             <a:endParaRPr lang="en-US"/>
           </a:p>
@@ -1473,7 +1473,7 @@
             <a:fld id="{43E6E5DC-7A70-4CAB-B8CA-FD7CFBA6DDCF}" type="datetime1">
               <a:rPr lang="en-US" smtClean="0"/>
               <a:pPr/>
-              <a:t>4/21/2025</a:t>
+              <a:t>4/28/2025</a:t>
             </a:fld>
             <a:endParaRPr lang="en-US"/>
           </a:p>
@@ -1646,7 +1646,7 @@
             <a:fld id="{34C58A64-F6CF-4D4F-A14E-4E9A6689521C}" type="datetime1">
               <a:rPr lang="en-US" smtClean="0"/>
               <a:pPr/>
-              <a:t>4/21/2025</a:t>
+              <a:t>4/28/2025</a:t>
             </a:fld>
             <a:endParaRPr lang="en-US"/>
           </a:p>
@@ -1829,7 +1829,7 @@
             <a:fld id="{28A961FD-7946-4EF3-8B09-2E96C5099CE1}" type="datetime1">
               <a:rPr lang="en-US" smtClean="0"/>
               <a:pPr/>
-              <a:t>4/21/2025</a:t>
+              <a:t>4/28/2025</a:t>
             </a:fld>
             <a:endParaRPr lang="en-US"/>
           </a:p>
@@ -2002,7 +2002,7 @@
             <a:fld id="{410E03A8-3A50-4824-93B1-5AB2817A85E6}" type="datetime1">
               <a:rPr lang="en-US" smtClean="0"/>
               <a:pPr/>
-              <a:t>4/21/2025</a:t>
+              <a:t>4/28/2025</a:t>
             </a:fld>
             <a:endParaRPr lang="en-US"/>
           </a:p>
@@ -2252,7 +2252,7 @@
             <a:fld id="{69EE78C3-2E3E-4EDD-A8FC-A11FEA9CDF04}" type="datetime1">
               <a:rPr lang="en-US" smtClean="0"/>
               <a:pPr/>
-              <a:t>4/21/2025</a:t>
+              <a:t>4/28/2025</a:t>
             </a:fld>
             <a:endParaRPr lang="en-US"/>
           </a:p>
@@ -2542,7 +2542,7 @@
             <a:fld id="{9CAD6738-AE48-490E-BA60-16B31C3E5798}" type="datetime1">
               <a:rPr lang="en-US" smtClean="0"/>
               <a:pPr/>
-              <a:t>4/21/2025</a:t>
+              <a:t>4/28/2025</a:t>
             </a:fld>
             <a:endParaRPr lang="en-US"/>
           </a:p>
@@ -2966,7 +2966,7 @@
             <a:fld id="{12137309-80BC-4890-B91A-AB9885E172E5}" type="datetime1">
               <a:rPr lang="en-US" smtClean="0"/>
               <a:pPr/>
-              <a:t>4/21/2025</a:t>
+              <a:t>4/28/2025</a:t>
             </a:fld>
             <a:endParaRPr lang="en-US"/>
           </a:p>
@@ -3088,7 +3088,7 @@
             <a:fld id="{79C16A63-0F78-4E9D-81E4-A84E1F25A0A3}" type="datetime1">
               <a:rPr lang="en-US" smtClean="0"/>
               <a:pPr/>
-              <a:t>4/21/2025</a:t>
+              <a:t>4/28/2025</a:t>
             </a:fld>
             <a:endParaRPr lang="en-US"/>
           </a:p>
@@ -3188,7 +3188,7 @@
             <a:fld id="{DC5FF9E9-979C-4422-A1BB-1DC64426F0DA}" type="datetime1">
               <a:rPr lang="en-US" smtClean="0"/>
               <a:pPr/>
-              <a:t>4/21/2025</a:t>
+              <a:t>4/28/2025</a:t>
             </a:fld>
             <a:endParaRPr lang="en-US"/>
           </a:p>
@@ -3468,7 +3468,7 @@
             <a:fld id="{B9B7020D-910B-4676-A902-AD52382F28B6}" type="datetime1">
               <a:rPr lang="en-US" smtClean="0"/>
               <a:pPr/>
-              <a:t>4/21/2025</a:t>
+              <a:t>4/28/2025</a:t>
             </a:fld>
             <a:endParaRPr lang="en-US"/>
           </a:p>
@@ -3725,7 +3725,7 @@
             <a:fld id="{4695FF79-924D-47D6-A727-6A03000C0C91}" type="datetime1">
               <a:rPr lang="en-US" smtClean="0"/>
               <a:pPr/>
-              <a:t>4/21/2025</a:t>
+              <a:t>4/28/2025</a:t>
             </a:fld>
             <a:endParaRPr lang="en-US"/>
           </a:p>
@@ -3941,7 +3941,7 @@
             <a:fld id="{A51E304D-C692-4D58-A925-D35D66927263}" type="datetime1">
               <a:rPr lang="en-US" smtClean="0"/>
               <a:pPr/>
-              <a:t>4/21/2025</a:t>
+              <a:t>4/28/2025</a:t>
             </a:fld>
             <a:endParaRPr lang="en-US"/>
           </a:p>
@@ -4608,7 +4608,7 @@
           </a:ln>
           <a:extLst>
             <a:ext uri="{C572A759-6A51-4108-AA02-DFA0A04FC94B}">
-              <ma14:wrappingTextBoxFlag xmlns:ma14="http://schemas.microsoft.com/office/mac/drawingml/2011/main" xmlns="" val="1"/>
+              <ma14:wrappingTextBoxFlag xmlns="" xmlns:ma14="http://schemas.microsoft.com/office/mac/drawingml/2011/main" val="1"/>
             </a:ext>
           </a:extLst>
         </p:spPr>
@@ -4775,7 +4775,7 @@
 </file>
 
 <file path=ppt/slides/slide3.xml><?xml version="1.0" encoding="utf-8"?>
-<p:sld xmlns:a="http://schemas.openxmlformats.org/drawingml/2006/main" xmlns:r="http://schemas.openxmlformats.org/officeDocument/2006/relationships" xmlns:p="http://schemas.openxmlformats.org/presentationml/2006/main">
+<p:sld xmlns:a="http://schemas.openxmlformats.org/drawingml/2006/main" xmlns:r="http://schemas.openxmlformats.org/officeDocument/2006/relationships" xmlns:p="http://schemas.openxmlformats.org/presentationml/2006/main" show="0">
   <p:cSld>
     <p:spTree>
       <p:nvGrpSpPr>
@@ -4855,7 +4855,7 @@
           <a:p>
             <a:r>
               <a:rPr lang="en-US" sz="2000" dirty="0"/>
-              <a:t>Spring 24 Team Sheet:</a:t>
+              <a:t>Spring 25 Team Sheet:</a:t>
             </a:r>
           </a:p>
           <a:p>
@@ -4869,7 +4869,7 @@
               <a:rPr lang="en-US" sz="2000" dirty="0">
                 <a:hlinkClick r:id="rId2"/>
               </a:rPr>
-              <a:t>https://docs.google.com/spreadsheets/d/1B26gr2dff9sHD9c6V-wobnzmtHhlOW47XuqyXpQ77ys/edit#gid=968264463</a:t>
+              <a:t>https://docs.google.com/spreadsheets/d/1VC3S4K26D9EBskbernWwn1ZiHYXmymsJqJop3R01gEM/edit?gid=1695260291#gid=1695260291</a:t>
             </a:r>
             <a:endParaRPr lang="en-US" sz="2000" dirty="0"/>
           </a:p>
@@ -5105,7 +5105,7 @@
 </file>
 
 <file path=ppt/slides/slide7.xml><?xml version="1.0" encoding="utf-8"?>
-<p:sld xmlns:a="http://schemas.openxmlformats.org/drawingml/2006/main" xmlns:r="http://schemas.openxmlformats.org/officeDocument/2006/relationships" xmlns:p="http://schemas.openxmlformats.org/presentationml/2006/main">
+<p:sld xmlns:a="http://schemas.openxmlformats.org/drawingml/2006/main" xmlns:r="http://schemas.openxmlformats.org/officeDocument/2006/relationships" xmlns:p="http://schemas.openxmlformats.org/presentationml/2006/main" show="0">
   <p:cSld>
     <p:spTree>
       <p:nvGrpSpPr>
@@ -5170,7 +5170,7 @@
         <p:spPr/>
         <p:txBody>
           <a:bodyPr>
-            <a:normAutofit lnSpcReduction="10000"/>
+            <a:normAutofit/>
           </a:bodyPr>
           <a:lstStyle/>
           <a:p>
@@ -5183,45 +5183,27 @@
             <a:endParaRPr lang="en-US" dirty="0"/>
           </a:p>
           <a:p>
-            <a:endParaRPr lang="en-US" dirty="0">
-              <a:hlinkClick r:id="rId3"/>
-            </a:endParaRPr>
-          </a:p>
-          <a:p>
-            <a:endParaRPr lang="en-US" dirty="0">
-              <a:hlinkClick r:id="rId3"/>
-            </a:endParaRPr>
-          </a:p>
-          <a:p>
-            <a:endParaRPr lang="en-US" dirty="0">
-              <a:hlinkClick r:id="rId3"/>
-            </a:endParaRPr>
-          </a:p>
-          <a:p>
-            <a:endParaRPr lang="en-US" dirty="0">
-              <a:hlinkClick r:id="rId3"/>
-            </a:endParaRPr>
-          </a:p>
-          <a:p>
-            <a:endParaRPr lang="en-US" dirty="0">
-              <a:hlinkClick r:id="rId3"/>
-            </a:endParaRPr>
-          </a:p>
-          <a:p>
-            <a:endParaRPr lang="en-US" dirty="0">
-              <a:hlinkClick r:id="rId3"/>
-            </a:endParaRPr>
-          </a:p>
-          <a:p>
-            <a:r>
-              <a:rPr lang="en-US" dirty="0">
-                <a:hlinkClick r:id="rId3"/>
-              </a:rPr>
-              <a:t>CSSE220 Genetic Algorithm Research Project</a:t>
-            </a:r>
             <a:endParaRPr lang="en-US" dirty="0"/>
           </a:p>
           <a:p>
+            <a:endParaRPr lang="en-US" dirty="0"/>
+          </a:p>
+          <a:p>
+            <a:endParaRPr lang="en-US" dirty="0"/>
+          </a:p>
+          <a:p>
+            <a:endParaRPr lang="en-US" dirty="0"/>
+          </a:p>
+          <a:p>
+            <a:endParaRPr lang="en-US" dirty="0"/>
+          </a:p>
+          <a:p>
+            <a:endParaRPr lang="en-US" dirty="0"/>
+          </a:p>
+          <a:p>
+            <a:pPr marL="0" indent="0">
+              <a:buNone/>
+            </a:pPr>
             <a:endParaRPr lang="en-US" dirty="0"/>
           </a:p>
         </p:txBody>
@@ -5241,7 +5223,7 @@
           <p:nvPr/>
         </p:nvPicPr>
         <p:blipFill>
-          <a:blip r:embed="rId4"/>
+          <a:blip r:embed="rId3"/>
           <a:stretch>
             <a:fillRect/>
           </a:stretch>
@@ -5270,7 +5252,7 @@
 </file>
 
 <file path=ppt/slides/slide8.xml><?xml version="1.0" encoding="utf-8"?>
-<p:sld xmlns:a="http://schemas.openxmlformats.org/drawingml/2006/main" xmlns:r="http://schemas.openxmlformats.org/officeDocument/2006/relationships" xmlns:p="http://schemas.openxmlformats.org/presentationml/2006/main">
+<p:sld xmlns:a="http://schemas.openxmlformats.org/drawingml/2006/main" xmlns:r="http://schemas.openxmlformats.org/officeDocument/2006/relationships" xmlns:p="http://schemas.openxmlformats.org/presentationml/2006/main" show="0">
   <p:cSld>
     <p:spTree>
       <p:nvGrpSpPr>
@@ -5371,7 +5353,7 @@
 </file>
 
 <file path=ppt/slides/slide9.xml><?xml version="1.0" encoding="utf-8"?>
-<p:sld xmlns:a="http://schemas.openxmlformats.org/drawingml/2006/main" xmlns:r="http://schemas.openxmlformats.org/officeDocument/2006/relationships" xmlns:p="http://schemas.openxmlformats.org/presentationml/2006/main">
+<p:sld xmlns:a="http://schemas.openxmlformats.org/drawingml/2006/main" xmlns:r="http://schemas.openxmlformats.org/officeDocument/2006/relationships" xmlns:p="http://schemas.openxmlformats.org/presentationml/2006/main" show="0">
   <p:cSld>
     <p:spTree>
       <p:nvGrpSpPr>
@@ -6329,17 +6311,6 @@
 </file>
 
 <file path=customXml/item2.xml><?xml version="1.0" encoding="utf-8"?>
-<p:properties xmlns:p="http://schemas.microsoft.com/office/2006/metadata/properties" xmlns:xsi="http://www.w3.org/2001/XMLSchema-instance" xmlns:pc="http://schemas.microsoft.com/office/infopath/2007/PartnerControls">
-  <documentManagement>
-    <TaxCatchAll xmlns="820f9cb1-409d-4c4b-8197-1d4f7dd48124" xsi:nil="true"/>
-    <lcf76f155ced4ddcb4097134ff3c332f xmlns="08600313-7276-4ca7-b5d3-7d86193ee0ac">
-      <Terms xmlns="http://schemas.microsoft.com/office/infopath/2007/PartnerControls"/>
-    </lcf76f155ced4ddcb4097134ff3c332f>
-  </documentManagement>
-</p:properties>
-</file>
-
-<file path=customXml/item3.xml><?xml version="1.0" encoding="utf-8"?>
 <ct:contentTypeSchema xmlns:ct="http://schemas.microsoft.com/office/2006/metadata/contentType" xmlns:ma="http://schemas.microsoft.com/office/2006/metadata/properties/metaAttributes" ct:_="" ma:_="" ma:contentTypeName="Document" ma:contentTypeID="0x0101004285D81DBE5F5A448E892B34D6B8CF20" ma:contentTypeVersion="8" ma:contentTypeDescription="Create a new document." ma:contentTypeScope="" ma:versionID="ecce54155d2ea7caa9aed06c8b6b9867">
   <xsd:schema xmlns:xsd="http://www.w3.org/2001/XMLSchema" xmlns:xs="http://www.w3.org/2001/XMLSchema" xmlns:p="http://schemas.microsoft.com/office/2006/metadata/properties" xmlns:ns2="08600313-7276-4ca7-b5d3-7d86193ee0ac" xmlns:ns3="820f9cb1-409d-4c4b-8197-1d4f7dd48124" targetNamespace="http://schemas.microsoft.com/office/2006/metadata/properties" ma:root="true" ma:fieldsID="bfd7385540b70b2fe84ac888cc214377" ns2:_="" ns3:_="">
     <xsd:import namespace="08600313-7276-4ca7-b5d3-7d86193ee0ac"/>
@@ -6516,6 +6487,17 @@
 </ct:contentTypeSchema>
 </file>
 
+<file path=customXml/item3.xml><?xml version="1.0" encoding="utf-8"?>
+<p:properties xmlns:p="http://schemas.microsoft.com/office/2006/metadata/properties" xmlns:xsi="http://www.w3.org/2001/XMLSchema-instance" xmlns:pc="http://schemas.microsoft.com/office/infopath/2007/PartnerControls">
+  <documentManagement>
+    <TaxCatchAll xmlns="820f9cb1-409d-4c4b-8197-1d4f7dd48124" xsi:nil="true"/>
+    <lcf76f155ced4ddcb4097134ff3c332f xmlns="08600313-7276-4ca7-b5d3-7d86193ee0ac">
+      <Terms xmlns="http://schemas.microsoft.com/office/infopath/2007/PartnerControls"/>
+    </lcf76f155ced4ddcb4097134ff3c332f>
+  </documentManagement>
+</p:properties>
+</file>
+
 <file path=customXml/itemProps1.xml><?xml version="1.0" encoding="utf-8"?>
 <ds:datastoreItem xmlns:ds="http://schemas.openxmlformats.org/officeDocument/2006/customXml" ds:itemID="{2A7C915E-4009-47CE-94D4-97E75DE59B25}">
   <ds:schemaRefs>
@@ -6525,23 +6507,6 @@
 </file>
 
 <file path=customXml/itemProps2.xml><?xml version="1.0" encoding="utf-8"?>
-<ds:datastoreItem xmlns:ds="http://schemas.openxmlformats.org/officeDocument/2006/customXml" ds:itemID="{5A9CC447-D9E4-472B-8F77-5984014F62A7}">
-  <ds:schemaRefs>
-    <ds:schemaRef ds:uri="08600313-7276-4ca7-b5d3-7d86193ee0ac"/>
-    <ds:schemaRef ds:uri="820f9cb1-409d-4c4b-8197-1d4f7dd48124"/>
-    <ds:schemaRef ds:uri="http://purl.org/dc/dcmitype/"/>
-    <ds:schemaRef ds:uri="http://purl.org/dc/elements/1.1/"/>
-    <ds:schemaRef ds:uri="http://purl.org/dc/terms/"/>
-    <ds:schemaRef ds:uri="http://schemas.microsoft.com/office/2006/documentManagement/types"/>
-    <ds:schemaRef ds:uri="http://schemas.microsoft.com/office/2006/metadata/properties"/>
-    <ds:schemaRef ds:uri="http://schemas.microsoft.com/office/infopath/2007/PartnerControls"/>
-    <ds:schemaRef ds:uri="http://schemas.openxmlformats.org/package/2006/metadata/core-properties"/>
-    <ds:schemaRef ds:uri="http://www.w3.org/XML/1998/namespace"/>
-  </ds:schemaRefs>
-</ds:datastoreItem>
-</file>
-
-<file path=customXml/itemProps3.xml><?xml version="1.0" encoding="utf-8"?>
 <ds:datastoreItem xmlns:ds="http://schemas.openxmlformats.org/officeDocument/2006/customXml" ds:itemID="{54EB4FC6-A2A2-40B0-A84A-BBFCE3674D6D}">
   <ds:schemaRefs>
     <ds:schemaRef ds:uri="08600313-7276-4ca7-b5d3-7d86193ee0ac"/>
@@ -6558,4 +6523,21 @@
     <ds:schemaRef ds:uri="http://www.w3.org/2001/XMLSchema"/>
   </ds:schemaRefs>
 </ds:datastoreItem>
+</file>
+
+<file path=customXml/itemProps3.xml><?xml version="1.0" encoding="utf-8"?>
+<ds:datastoreItem xmlns:ds="http://schemas.openxmlformats.org/officeDocument/2006/customXml" ds:itemID="{5A9CC447-D9E4-472B-8F77-5984014F62A7}">
+  <ds:schemaRefs>
+    <ds:schemaRef ds:uri="08600313-7276-4ca7-b5d3-7d86193ee0ac"/>
+    <ds:schemaRef ds:uri="820f9cb1-409d-4c4b-8197-1d4f7dd48124"/>
+    <ds:schemaRef ds:uri="http://purl.org/dc/dcmitype/"/>
+    <ds:schemaRef ds:uri="http://purl.org/dc/elements/1.1/"/>
+    <ds:schemaRef ds:uri="http://purl.org/dc/terms/"/>
+    <ds:schemaRef ds:uri="http://schemas.microsoft.com/office/2006/documentManagement/types"/>
+    <ds:schemaRef ds:uri="http://schemas.microsoft.com/office/2006/metadata/properties"/>
+    <ds:schemaRef ds:uri="http://schemas.microsoft.com/office/infopath/2007/PartnerControls"/>
+    <ds:schemaRef ds:uri="http://schemas.openxmlformats.org/package/2006/metadata/core-properties"/>
+    <ds:schemaRef ds:uri="http://www.w3.org/XML/1998/namespace"/>
+  </ds:schemaRefs>
+</ds:datastoreItem>
 </file>